--- a/NWMSU_CyberSecurity_Presentation.pptx
+++ b/NWMSU_CyberSecurity_Presentation.pptx
@@ -9,6 +9,9 @@
     <p:sldId id="257" r:id="rId3"/>
     <p:sldId id="258" r:id="rId4"/>
     <p:sldId id="259" r:id="rId5"/>
+    <p:sldId id="260" r:id="rId6"/>
+    <p:sldId id="261" r:id="rId7"/>
+    <p:sldId id="262" r:id="rId8"/>
   </p:sldIdLst>
   <p:sldSz cx="12192000" cy="6858000"/>
   <p:notesSz cx="6858000" cy="9144000"/>
@@ -107,6 +110,11 @@
       </a:defRPr>
     </a:lvl9pPr>
   </p:defaultTextStyle>
+  <p:extLst>
+    <p:ext uri="{EFAFB233-063F-42B5-8137-9DF3F51BA10A}">
+      <p15:sldGuideLst xmlns:p15="http://schemas.microsoft.com/office/powerpoint/2012/main"/>
+    </p:ext>
+  </p:extLst>
 </p:presentation>
 </file>
 
@@ -273,7 +281,7 @@
           <a:p>
             <a:fld id="{1160EA64-D806-43AC-9DF2-F8C432F32B4C}" type="datetimeFigureOut">
               <a:rPr lang="en-US" dirty="0"/>
-              <a:t>4/17/21</a:t>
+              <a:t>4/17/2021</a:t>
             </a:fld>
             <a:endParaRPr lang="en-US" dirty="0"/>
           </a:p>
@@ -439,7 +447,7 @@
           <a:p>
             <a:fld id="{E9F9C37B-1D36-470B-8223-D6C91242EC14}" type="datetimeFigureOut">
               <a:rPr lang="en-US" dirty="0"/>
-              <a:t>4/17/21</a:t>
+              <a:t>4/17/2021</a:t>
             </a:fld>
             <a:endParaRPr lang="en-US" dirty="0"/>
           </a:p>
@@ -614,7 +622,7 @@
           <a:p>
             <a:fld id="{67C6F52A-A82B-47A2-A83A-8C4C91F2D59F}" type="datetimeFigureOut">
               <a:rPr lang="en-US" dirty="0"/>
-              <a:t>4/17/21</a:t>
+              <a:t>4/17/2021</a:t>
             </a:fld>
             <a:endParaRPr lang="en-US" dirty="0"/>
           </a:p>
@@ -779,7 +787,7 @@
           <a:p>
             <a:fld id="{F070A7B3-6521-4DCA-87E5-044747A908C1}" type="datetimeFigureOut">
               <a:rPr lang="en-US" dirty="0"/>
-              <a:t>4/17/21</a:t>
+              <a:t>4/17/2021</a:t>
             </a:fld>
             <a:endParaRPr lang="en-US" dirty="0"/>
           </a:p>
@@ -1043,7 +1051,7 @@
           <a:p>
             <a:fld id="{1160EA64-D806-43AC-9DF2-F8C432F32B4C}" type="datetimeFigureOut">
               <a:rPr lang="en-US" dirty="0"/>
-              <a:t>4/17/21</a:t>
+              <a:t>4/17/2021</a:t>
             </a:fld>
             <a:endParaRPr lang="en-US" dirty="0"/>
           </a:p>
@@ -1271,7 +1279,7 @@
           <a:p>
             <a:fld id="{AB134690-1557-4C89-A502-4959FE7FAD70}" type="datetimeFigureOut">
               <a:rPr lang="en-US" dirty="0"/>
-              <a:t>4/17/21</a:t>
+              <a:t>4/17/2021</a:t>
             </a:fld>
             <a:endParaRPr lang="en-US" dirty="0"/>
           </a:p>
@@ -1625,7 +1633,7 @@
           <a:p>
             <a:fld id="{4F7D4976-E339-4826-83B7-FBD03F55ECF8}" type="datetimeFigureOut">
               <a:rPr lang="en-US" dirty="0"/>
-              <a:t>4/17/21</a:t>
+              <a:t>4/17/2021</a:t>
             </a:fld>
             <a:endParaRPr lang="en-US" dirty="0"/>
           </a:p>
@@ -1761,7 +1769,7 @@
           <a:p>
             <a:fld id="{E1037C31-9E7A-4F99-8774-A0E530DE1A42}" type="datetimeFigureOut">
               <a:rPr lang="en-US" dirty="0"/>
-              <a:t>4/17/21</a:t>
+              <a:t>4/17/2021</a:t>
             </a:fld>
             <a:endParaRPr lang="en-US" dirty="0"/>
           </a:p>
@@ -1851,7 +1859,7 @@
           <a:p>
             <a:fld id="{C278504F-A551-4DE0-9316-4DCD1D8CC752}" type="datetimeFigureOut">
               <a:rPr lang="en-US" dirty="0"/>
-              <a:t>4/17/21</a:t>
+              <a:t>4/17/2021</a:t>
             </a:fld>
             <a:endParaRPr lang="en-US" dirty="0"/>
           </a:p>
@@ -2203,7 +2211,7 @@
           <a:p>
             <a:fld id="{D1BE4249-C0D0-4B06-8692-E8BB871AF643}" type="datetimeFigureOut">
               <a:rPr lang="en-US" dirty="0"/>
-              <a:t>4/17/21</a:t>
+              <a:t>4/17/2021</a:t>
             </a:fld>
             <a:endParaRPr lang="en-US" dirty="0"/>
           </a:p>
@@ -2555,7 +2563,7 @@
           <a:p>
             <a:fld id="{042B0DB6-F5C7-45FB-8CF3-31B45F9C2DAC}" type="datetimeFigureOut">
               <a:rPr lang="en-US" dirty="0"/>
-              <a:t>4/17/21</a:t>
+              <a:t>4/17/2021</a:t>
             </a:fld>
             <a:endParaRPr lang="en-US" dirty="0"/>
           </a:p>
@@ -2792,7 +2800,7 @@
           <a:p>
             <a:fld id="{1160EA64-D806-43AC-9DF2-F8C432F32B4C}" type="datetimeFigureOut">
               <a:rPr lang="en-US" dirty="0"/>
-              <a:t>4/17/21</a:t>
+              <a:t>4/17/2021</a:t>
             </a:fld>
             <a:endParaRPr lang="en-US" dirty="0"/>
           </a:p>
@@ -4154,6 +4162,1075 @@
   <p:clrMapOvr>
     <a:masterClrMapping/>
   </p:clrMapOvr>
+  <p:timing>
+    <p:tnLst>
+      <p:par>
+        <p:cTn id="1" dur="indefinite" restart="never" nodeType="tmRoot">
+          <p:childTnLst>
+            <p:seq concurrent="1" nextAc="seek">
+              <p:cTn id="2" dur="indefinite" nodeType="mainSeq">
+                <p:childTnLst>
+                  <p:par>
+                    <p:cTn id="3" fill="hold">
+                      <p:stCondLst>
+                        <p:cond delay="indefinite"/>
+                      </p:stCondLst>
+                      <p:childTnLst>
+                        <p:par>
+                          <p:cTn id="4" fill="hold">
+                            <p:stCondLst>
+                              <p:cond delay="0"/>
+                            </p:stCondLst>
+                            <p:childTnLst>
+                              <p:par>
+                                <p:cTn id="5" presetID="1" presetClass="entr" presetSubtype="0" fill="hold" nodeType="clickEffect">
+                                  <p:stCondLst>
+                                    <p:cond delay="0"/>
+                                  </p:stCondLst>
+                                  <p:childTnLst>
+                                    <p:set>
+                                      <p:cBhvr>
+                                        <p:cTn id="6" dur="1" fill="hold">
+                                          <p:stCondLst>
+                                            <p:cond delay="0"/>
+                                          </p:stCondLst>
+                                        </p:cTn>
+                                        <p:tgtEl>
+                                          <p:spTgt spid="2050"/>
+                                        </p:tgtEl>
+                                        <p:attrNameLst>
+                                          <p:attrName>style.visibility</p:attrName>
+                                        </p:attrNameLst>
+                                      </p:cBhvr>
+                                      <p:to>
+                                        <p:strVal val="visible"/>
+                                      </p:to>
+                                    </p:set>
+                                  </p:childTnLst>
+                                </p:cTn>
+                              </p:par>
+                            </p:childTnLst>
+                          </p:cTn>
+                        </p:par>
+                      </p:childTnLst>
+                    </p:cTn>
+                  </p:par>
+                </p:childTnLst>
+              </p:cTn>
+              <p:prevCondLst>
+                <p:cond evt="onPrev" delay="0">
+                  <p:tgtEl>
+                    <p:sldTgt/>
+                  </p:tgtEl>
+                </p:cond>
+              </p:prevCondLst>
+              <p:nextCondLst>
+                <p:cond evt="onNext" delay="0">
+                  <p:tgtEl>
+                    <p:sldTgt/>
+                  </p:tgtEl>
+                </p:cond>
+              </p:nextCondLst>
+            </p:seq>
+          </p:childTnLst>
+        </p:cTn>
+      </p:par>
+    </p:tnLst>
+  </p:timing>
+</p:sld>
+</file>
+
+<file path=ppt/slides/slide5.xml><?xml version="1.0" encoding="utf-8"?>
+<p:sld xmlns:a="http://schemas.openxmlformats.org/drawingml/2006/main" xmlns:r="http://schemas.openxmlformats.org/officeDocument/2006/relationships" xmlns:p="http://schemas.openxmlformats.org/presentationml/2006/main">
+  <p:cSld>
+    <p:bg>
+      <p:bgPr>
+        <a:solidFill>
+          <a:schemeClr val="accent2"/>
+        </a:solidFill>
+        <a:effectLst/>
+      </p:bgPr>
+    </p:bg>
+    <p:spTree>
+      <p:nvGrpSpPr>
+        <p:cNvPr id="1" name=""/>
+        <p:cNvGrpSpPr/>
+        <p:nvPr/>
+      </p:nvGrpSpPr>
+      <p:grpSpPr>
+        <a:xfrm>
+          <a:off x="0" y="0"/>
+          <a:ext cx="0" cy="0"/>
+          <a:chOff x="0" y="0"/>
+          <a:chExt cx="0" cy="0"/>
+        </a:xfrm>
+      </p:grpSpPr>
+      <p:sp>
+        <p:nvSpPr>
+          <p:cNvPr id="2" name="Title 1">
+            <a:extLst>
+              <a:ext uri="{FF2B5EF4-FFF2-40B4-BE49-F238E27FC236}">
+                <a16:creationId xmlns:a16="http://schemas.microsoft.com/office/drawing/2014/main" id="{C1C29420-E255-402F-85D2-18E89736E04B}"/>
+              </a:ext>
+            </a:extLst>
+          </p:cNvPr>
+          <p:cNvSpPr>
+            <a:spLocks noGrp="1"/>
+          </p:cNvSpPr>
+          <p:nvPr>
+            <p:ph type="title"/>
+          </p:nvPr>
+        </p:nvSpPr>
+        <p:spPr>
+          <a:xfrm>
+            <a:off x="5458969" y="408654"/>
+            <a:ext cx="5928358" cy="1645920"/>
+          </a:xfrm>
+        </p:spPr>
+        <p:txBody>
+          <a:bodyPr vert="horz" lIns="274320" tIns="182880" rIns="274320" bIns="182880" rtlCol="0" anchor="ctr" anchorCtr="1">
+            <a:normAutofit/>
+          </a:bodyPr>
+          <a:lstStyle/>
+          <a:p>
+            <a:r>
+              <a:rPr lang="en-US" sz="3800" dirty="0"/>
+              <a:t>Looking further</a:t>
+            </a:r>
+          </a:p>
+        </p:txBody>
+      </p:sp>
+      <p:sp>
+        <p:nvSpPr>
+          <p:cNvPr id="6" name="TextBox 5">
+            <a:extLst>
+              <a:ext uri="{FF2B5EF4-FFF2-40B4-BE49-F238E27FC236}">
+                <a16:creationId xmlns:a16="http://schemas.microsoft.com/office/drawing/2014/main" id="{43736139-1FC0-4C4B-8685-85284449924B}"/>
+              </a:ext>
+            </a:extLst>
+          </p:cNvPr>
+          <p:cNvSpPr txBox="1"/>
+          <p:nvPr/>
+        </p:nvSpPr>
+        <p:spPr>
+          <a:xfrm>
+            <a:off x="5458970" y="2397967"/>
+            <a:ext cx="5928358" cy="369332"/>
+          </a:xfrm>
+          <a:prstGeom prst="rect">
+            <a:avLst/>
+          </a:prstGeom>
+          <a:noFill/>
+        </p:spPr>
+        <p:txBody>
+          <a:bodyPr wrap="square" rtlCol="0">
+            <a:spAutoFit/>
+          </a:bodyPr>
+          <a:lstStyle/>
+          <a:p>
+            <a:pPr algn="ctr"/>
+            <a:r>
+              <a:rPr lang="en-US" dirty="0" err="1"/>
+              <a:t>DiscordCreate</a:t>
+            </a:r>
+            <a:r>
+              <a:rPr lang="en-US" dirty="0"/>
+              <a:t>() function under the hood</a:t>
+            </a:r>
+          </a:p>
+        </p:txBody>
+      </p:sp>
+      <p:pic>
+        <p:nvPicPr>
+          <p:cNvPr id="10" name="Picture 9">
+            <a:extLst>
+              <a:ext uri="{FF2B5EF4-FFF2-40B4-BE49-F238E27FC236}">
+                <a16:creationId xmlns:a16="http://schemas.microsoft.com/office/drawing/2014/main" id="{D8E00249-DE12-4BC9-8A8A-C531AA754115}"/>
+              </a:ext>
+            </a:extLst>
+          </p:cNvPr>
+          <p:cNvPicPr>
+            <a:picLocks noChangeAspect="1"/>
+          </p:cNvPicPr>
+          <p:nvPr/>
+        </p:nvPicPr>
+        <p:blipFill>
+          <a:blip r:embed="rId2"/>
+          <a:stretch>
+            <a:fillRect/>
+          </a:stretch>
+        </p:blipFill>
+        <p:spPr>
+          <a:xfrm>
+            <a:off x="0" y="603"/>
+            <a:ext cx="4893691" cy="6858000"/>
+          </a:xfrm>
+          <a:prstGeom prst="rect">
+            <a:avLst/>
+          </a:prstGeom>
+        </p:spPr>
+      </p:pic>
+    </p:spTree>
+    <p:extLst>
+      <p:ext uri="{BB962C8B-B14F-4D97-AF65-F5344CB8AC3E}">
+        <p14:creationId xmlns:p14="http://schemas.microsoft.com/office/powerpoint/2010/main" val="4206852028"/>
+      </p:ext>
+    </p:extLst>
+  </p:cSld>
+  <p:clrMapOvr>
+    <a:masterClrMapping/>
+  </p:clrMapOvr>
+</p:sld>
+</file>
+
+<file path=ppt/slides/slide6.xml><?xml version="1.0" encoding="utf-8"?>
+<p:sld xmlns:a="http://schemas.openxmlformats.org/drawingml/2006/main" xmlns:r="http://schemas.openxmlformats.org/officeDocument/2006/relationships" xmlns:p="http://schemas.openxmlformats.org/presentationml/2006/main">
+  <p:cSld>
+    <p:bg>
+      <p:bgPr>
+        <a:solidFill>
+          <a:schemeClr val="bg1">
+            <a:lumMod val="95000"/>
+          </a:schemeClr>
+        </a:solidFill>
+        <a:effectLst/>
+      </p:bgPr>
+    </p:bg>
+    <p:spTree>
+      <p:nvGrpSpPr>
+        <p:cNvPr id="1" name=""/>
+        <p:cNvGrpSpPr/>
+        <p:nvPr/>
+      </p:nvGrpSpPr>
+      <p:grpSpPr>
+        <a:xfrm>
+          <a:off x="0" y="0"/>
+          <a:ext cx="0" cy="0"/>
+          <a:chOff x="0" y="0"/>
+          <a:chExt cx="0" cy="0"/>
+        </a:xfrm>
+      </p:grpSpPr>
+      <p:sp>
+        <p:nvSpPr>
+          <p:cNvPr id="2" name="Title 1">
+            <a:extLst>
+              <a:ext uri="{FF2B5EF4-FFF2-40B4-BE49-F238E27FC236}">
+                <a16:creationId xmlns:a16="http://schemas.microsoft.com/office/drawing/2014/main" id="{57391C2B-5986-41B2-B8D4-6C11BA1FB581}"/>
+              </a:ext>
+            </a:extLst>
+          </p:cNvPr>
+          <p:cNvSpPr>
+            <a:spLocks noGrp="1"/>
+          </p:cNvSpPr>
+          <p:nvPr>
+            <p:ph type="title"/>
+          </p:nvPr>
+        </p:nvSpPr>
+        <p:spPr>
+          <a:xfrm>
+            <a:off x="8312677" y="964692"/>
+            <a:ext cx="3066937" cy="1188720"/>
+          </a:xfrm>
+        </p:spPr>
+        <p:txBody>
+          <a:bodyPr>
+            <a:normAutofit/>
+          </a:bodyPr>
+          <a:lstStyle/>
+          <a:p>
+            <a:r>
+              <a:rPr lang="en-US" dirty="0"/>
+              <a:t>Fake export</a:t>
+            </a:r>
+          </a:p>
+        </p:txBody>
+      </p:sp>
+      <p:sp>
+        <p:nvSpPr>
+          <p:cNvPr id="12" name="Rectangle 11">
+            <a:extLst>
+              <a:ext uri="{FF2B5EF4-FFF2-40B4-BE49-F238E27FC236}">
+                <a16:creationId xmlns:a16="http://schemas.microsoft.com/office/drawing/2014/main" id="{A99FE660-E3DF-47E7-962D-66C6F6CE0D81}"/>
+              </a:ext>
+              <a:ext uri="{C183D7F6-B498-43B3-948B-1728B52AA6E4}">
+                <adec:decorative xmlns:adec="http://schemas.microsoft.com/office/drawing/2017/decorative" val="1"/>
+              </a:ext>
+            </a:extLst>
+          </p:cNvPr>
+          <p:cNvSpPr>
+            <a:spLocks noGrp="1" noRot="1" noChangeAspect="1" noMove="1" noResize="1" noEditPoints="1" noAdjustHandles="1" noChangeArrowheads="1" noChangeShapeType="1" noTextEdit="1"/>
+          </p:cNvSpPr>
+          <p:nvPr>
+            <p:extLst>
+              <p:ext uri="{386F3935-93C4-4BCD-93E2-E3B085C9AB24}">
+                <p16:designElem xmlns:p16="http://schemas.microsoft.com/office/powerpoint/2015/main" val="1"/>
+              </p:ext>
+            </p:extLst>
+          </p:nvPr>
+        </p:nvSpPr>
+        <p:spPr>
+          <a:xfrm>
+            <a:off x="814795" y="964692"/>
+            <a:ext cx="6885432" cy="4936558"/>
+          </a:xfrm>
+          <a:prstGeom prst="rect">
+            <a:avLst/>
+          </a:prstGeom>
+          <a:noFill/>
+          <a:ln w="31750" cap="sq">
+            <a:solidFill>
+              <a:srgbClr val="FFFFFF"/>
+            </a:solidFill>
+            <a:miter lim="800000"/>
+          </a:ln>
+        </p:spPr>
+        <p:style>
+          <a:lnRef idx="2">
+            <a:schemeClr val="accent1">
+              <a:shade val="50000"/>
+            </a:schemeClr>
+          </a:lnRef>
+          <a:fillRef idx="1">
+            <a:schemeClr val="accent1"/>
+          </a:fillRef>
+          <a:effectRef idx="0">
+            <a:schemeClr val="accent1"/>
+          </a:effectRef>
+          <a:fontRef idx="minor">
+            <a:schemeClr val="lt1"/>
+          </a:fontRef>
+        </p:style>
+        <p:txBody>
+          <a:bodyPr rtlCol="0" anchor="ctr"/>
+          <a:lstStyle/>
+          <a:p>
+            <a:pPr algn="ctr"/>
+            <a:endParaRPr lang="en-US" dirty="0"/>
+          </a:p>
+        </p:txBody>
+      </p:sp>
+      <p:sp>
+        <p:nvSpPr>
+          <p:cNvPr id="14" name="Rectangle 13">
+            <a:extLst>
+              <a:ext uri="{FF2B5EF4-FFF2-40B4-BE49-F238E27FC236}">
+                <a16:creationId xmlns:a16="http://schemas.microsoft.com/office/drawing/2014/main" id="{38C29FEE-8E8F-43D5-AD23-EB4060B4D943}"/>
+              </a:ext>
+              <a:ext uri="{C183D7F6-B498-43B3-948B-1728B52AA6E4}">
+                <adec:decorative xmlns:adec="http://schemas.microsoft.com/office/drawing/2017/decorative" val="1"/>
+              </a:ext>
+            </a:extLst>
+          </p:cNvPr>
+          <p:cNvSpPr>
+            <a:spLocks noGrp="1" noRot="1" noChangeAspect="1" noMove="1" noResize="1" noEditPoints="1" noAdjustHandles="1" noChangeArrowheads="1" noChangeShapeType="1" noTextEdit="1"/>
+          </p:cNvSpPr>
+          <p:nvPr>
+            <p:extLst>
+              <p:ext uri="{386F3935-93C4-4BCD-93E2-E3B085C9AB24}">
+                <p16:designElem xmlns:p16="http://schemas.microsoft.com/office/powerpoint/2015/main" val="1"/>
+              </p:ext>
+            </p:extLst>
+          </p:nvPr>
+        </p:nvSpPr>
+        <p:spPr>
+          <a:xfrm>
+            <a:off x="978415" y="1128683"/>
+            <a:ext cx="6558192" cy="4608576"/>
+          </a:xfrm>
+          <a:prstGeom prst="rect">
+            <a:avLst/>
+          </a:prstGeom>
+          <a:solidFill>
+            <a:srgbClr val="FFFFFF"/>
+          </a:solidFill>
+          <a:ln>
+            <a:noFill/>
+          </a:ln>
+        </p:spPr>
+        <p:style>
+          <a:lnRef idx="2">
+            <a:schemeClr val="accent1">
+              <a:shade val="50000"/>
+            </a:schemeClr>
+          </a:lnRef>
+          <a:fillRef idx="1">
+            <a:schemeClr val="accent1"/>
+          </a:fillRef>
+          <a:effectRef idx="0">
+            <a:schemeClr val="accent1"/>
+          </a:effectRef>
+          <a:fontRef idx="minor">
+            <a:schemeClr val="lt1"/>
+          </a:fontRef>
+        </p:style>
+        <p:txBody>
+          <a:bodyPr rtlCol="0" anchor="ctr"/>
+          <a:lstStyle/>
+          <a:p>
+            <a:pPr algn="ctr"/>
+            <a:endParaRPr lang="en-US"/>
+          </a:p>
+        </p:txBody>
+      </p:sp>
+      <p:pic>
+        <p:nvPicPr>
+          <p:cNvPr id="5" name="Content Placeholder 4">
+            <a:extLst>
+              <a:ext uri="{FF2B5EF4-FFF2-40B4-BE49-F238E27FC236}">
+                <a16:creationId xmlns:a16="http://schemas.microsoft.com/office/drawing/2014/main" id="{C8104F62-BBB0-405F-BC97-33F52465F8A3}"/>
+              </a:ext>
+            </a:extLst>
+          </p:cNvPr>
+          <p:cNvPicPr>
+            <a:picLocks noChangeAspect="1"/>
+          </p:cNvPicPr>
+          <p:nvPr/>
+        </p:nvPicPr>
+        <p:blipFill>
+          <a:blip r:embed="rId2"/>
+          <a:stretch>
+            <a:fillRect/>
+          </a:stretch>
+        </p:blipFill>
+        <p:spPr>
+          <a:xfrm>
+            <a:off x="1143979" y="1172840"/>
+            <a:ext cx="6227064" cy="3206937"/>
+          </a:xfrm>
+          <a:prstGeom prst="rect">
+            <a:avLst/>
+          </a:prstGeom>
+        </p:spPr>
+      </p:pic>
+      <p:sp>
+        <p:nvSpPr>
+          <p:cNvPr id="9" name="Content Placeholder 8">
+            <a:extLst>
+              <a:ext uri="{FF2B5EF4-FFF2-40B4-BE49-F238E27FC236}">
+                <a16:creationId xmlns:a16="http://schemas.microsoft.com/office/drawing/2014/main" id="{4CE45E40-1AD1-40D0-A43C-2EB5C0C79505}"/>
+              </a:ext>
+            </a:extLst>
+          </p:cNvPr>
+          <p:cNvSpPr>
+            <a:spLocks noGrp="1"/>
+          </p:cNvSpPr>
+          <p:nvPr>
+            <p:ph idx="1"/>
+          </p:nvPr>
+        </p:nvSpPr>
+        <p:spPr>
+          <a:xfrm>
+            <a:off x="8311249" y="2638044"/>
+            <a:ext cx="3063765" cy="3263206"/>
+          </a:xfrm>
+        </p:spPr>
+        <p:txBody>
+          <a:bodyPr>
+            <a:normAutofit/>
+          </a:bodyPr>
+          <a:lstStyle/>
+          <a:p>
+            <a:r>
+              <a:rPr lang="en-US" dirty="0"/>
+              <a:t>We exported our own function called </a:t>
+            </a:r>
+            <a:r>
+              <a:rPr lang="en-US" dirty="0" err="1"/>
+              <a:t>DiscordCreate</a:t>
+            </a:r>
+            <a:r>
+              <a:rPr lang="en-US" dirty="0"/>
+              <a:t>() and return any const char* </a:t>
+            </a:r>
+          </a:p>
+        </p:txBody>
+      </p:sp>
+      <p:pic>
+        <p:nvPicPr>
+          <p:cNvPr id="7" name="Picture 6">
+            <a:extLst>
+              <a:ext uri="{FF2B5EF4-FFF2-40B4-BE49-F238E27FC236}">
+                <a16:creationId xmlns:a16="http://schemas.microsoft.com/office/drawing/2014/main" id="{72E5A71C-CDE4-4F24-AF39-851501F0977F}"/>
+              </a:ext>
+            </a:extLst>
+          </p:cNvPr>
+          <p:cNvPicPr>
+            <a:picLocks noChangeAspect="1"/>
+          </p:cNvPicPr>
+          <p:nvPr/>
+        </p:nvPicPr>
+        <p:blipFill>
+          <a:blip r:embed="rId3"/>
+          <a:stretch>
+            <a:fillRect/>
+          </a:stretch>
+        </p:blipFill>
+        <p:spPr>
+          <a:xfrm>
+            <a:off x="2033423" y="4672755"/>
+            <a:ext cx="4448175" cy="771525"/>
+          </a:xfrm>
+          <a:prstGeom prst="rect">
+            <a:avLst/>
+          </a:prstGeom>
+        </p:spPr>
+      </p:pic>
+      <p:pic>
+        <p:nvPicPr>
+          <p:cNvPr id="10" name="Picture 9">
+            <a:extLst>
+              <a:ext uri="{FF2B5EF4-FFF2-40B4-BE49-F238E27FC236}">
+                <a16:creationId xmlns:a16="http://schemas.microsoft.com/office/drawing/2014/main" id="{805868CC-AF9E-4A3E-9D9F-941AD30CF56C}"/>
+              </a:ext>
+            </a:extLst>
+          </p:cNvPr>
+          <p:cNvPicPr>
+            <a:picLocks noChangeAspect="1"/>
+          </p:cNvPicPr>
+          <p:nvPr/>
+        </p:nvPicPr>
+        <p:blipFill>
+          <a:blip r:embed="rId4"/>
+          <a:stretch>
+            <a:fillRect/>
+          </a:stretch>
+        </p:blipFill>
+        <p:spPr>
+          <a:xfrm>
+            <a:off x="1504785" y="5666285"/>
+            <a:ext cx="5505450" cy="962025"/>
+          </a:xfrm>
+          <a:prstGeom prst="rect">
+            <a:avLst/>
+          </a:prstGeom>
+        </p:spPr>
+      </p:pic>
+    </p:spTree>
+    <p:extLst>
+      <p:ext uri="{BB962C8B-B14F-4D97-AF65-F5344CB8AC3E}">
+        <p14:creationId xmlns:p14="http://schemas.microsoft.com/office/powerpoint/2010/main" val="2833287888"/>
+      </p:ext>
+    </p:extLst>
+  </p:cSld>
+  <p:clrMapOvr>
+    <a:masterClrMapping/>
+  </p:clrMapOvr>
+  <p:timing>
+    <p:tnLst>
+      <p:par>
+        <p:cTn id="1" dur="indefinite" restart="never" nodeType="tmRoot">
+          <p:childTnLst>
+            <p:seq concurrent="1" nextAc="seek">
+              <p:cTn id="2" dur="indefinite" nodeType="mainSeq">
+                <p:childTnLst>
+                  <p:par>
+                    <p:cTn id="3" fill="hold">
+                      <p:stCondLst>
+                        <p:cond delay="indefinite"/>
+                      </p:stCondLst>
+                      <p:childTnLst>
+                        <p:par>
+                          <p:cTn id="4" fill="hold">
+                            <p:stCondLst>
+                              <p:cond delay="0"/>
+                            </p:stCondLst>
+                            <p:childTnLst>
+                              <p:par>
+                                <p:cTn id="5" presetID="1" presetClass="entr" presetSubtype="0" fill="hold" nodeType="clickEffect">
+                                  <p:stCondLst>
+                                    <p:cond delay="0"/>
+                                  </p:stCondLst>
+                                  <p:childTnLst>
+                                    <p:set>
+                                      <p:cBhvr>
+                                        <p:cTn id="6" dur="1" fill="hold">
+                                          <p:stCondLst>
+                                            <p:cond delay="0"/>
+                                          </p:stCondLst>
+                                        </p:cTn>
+                                        <p:tgtEl>
+                                          <p:spTgt spid="5"/>
+                                        </p:tgtEl>
+                                        <p:attrNameLst>
+                                          <p:attrName>style.visibility</p:attrName>
+                                        </p:attrNameLst>
+                                      </p:cBhvr>
+                                      <p:to>
+                                        <p:strVal val="visible"/>
+                                      </p:to>
+                                    </p:set>
+                                  </p:childTnLst>
+                                </p:cTn>
+                              </p:par>
+                            </p:childTnLst>
+                          </p:cTn>
+                        </p:par>
+                      </p:childTnLst>
+                    </p:cTn>
+                  </p:par>
+                  <p:par>
+                    <p:cTn id="7" fill="hold">
+                      <p:stCondLst>
+                        <p:cond delay="indefinite"/>
+                      </p:stCondLst>
+                      <p:childTnLst>
+                        <p:par>
+                          <p:cTn id="8" fill="hold">
+                            <p:stCondLst>
+                              <p:cond delay="0"/>
+                            </p:stCondLst>
+                            <p:childTnLst>
+                              <p:par>
+                                <p:cTn id="9" presetID="1" presetClass="entr" presetSubtype="0" fill="hold" nodeType="clickEffect">
+                                  <p:stCondLst>
+                                    <p:cond delay="0"/>
+                                  </p:stCondLst>
+                                  <p:childTnLst>
+                                    <p:set>
+                                      <p:cBhvr>
+                                        <p:cTn id="10" dur="1" fill="hold">
+                                          <p:stCondLst>
+                                            <p:cond delay="0"/>
+                                          </p:stCondLst>
+                                        </p:cTn>
+                                        <p:tgtEl>
+                                          <p:spTgt spid="7"/>
+                                        </p:tgtEl>
+                                        <p:attrNameLst>
+                                          <p:attrName>style.visibility</p:attrName>
+                                        </p:attrNameLst>
+                                      </p:cBhvr>
+                                      <p:to>
+                                        <p:strVal val="visible"/>
+                                      </p:to>
+                                    </p:set>
+                                  </p:childTnLst>
+                                </p:cTn>
+                              </p:par>
+                            </p:childTnLst>
+                          </p:cTn>
+                        </p:par>
+                      </p:childTnLst>
+                    </p:cTn>
+                  </p:par>
+                  <p:par>
+                    <p:cTn id="11" fill="hold">
+                      <p:stCondLst>
+                        <p:cond delay="indefinite"/>
+                      </p:stCondLst>
+                      <p:childTnLst>
+                        <p:par>
+                          <p:cTn id="12" fill="hold">
+                            <p:stCondLst>
+                              <p:cond delay="0"/>
+                            </p:stCondLst>
+                            <p:childTnLst>
+                              <p:par>
+                                <p:cTn id="13" presetID="1" presetClass="entr" presetSubtype="0" fill="hold" nodeType="clickEffect">
+                                  <p:stCondLst>
+                                    <p:cond delay="0"/>
+                                  </p:stCondLst>
+                                  <p:childTnLst>
+                                    <p:set>
+                                      <p:cBhvr>
+                                        <p:cTn id="14" dur="1" fill="hold">
+                                          <p:stCondLst>
+                                            <p:cond delay="0"/>
+                                          </p:stCondLst>
+                                        </p:cTn>
+                                        <p:tgtEl>
+                                          <p:spTgt spid="10"/>
+                                        </p:tgtEl>
+                                        <p:attrNameLst>
+                                          <p:attrName>style.visibility</p:attrName>
+                                        </p:attrNameLst>
+                                      </p:cBhvr>
+                                      <p:to>
+                                        <p:strVal val="visible"/>
+                                      </p:to>
+                                    </p:set>
+                                  </p:childTnLst>
+                                </p:cTn>
+                              </p:par>
+                            </p:childTnLst>
+                          </p:cTn>
+                        </p:par>
+                      </p:childTnLst>
+                    </p:cTn>
+                  </p:par>
+                </p:childTnLst>
+              </p:cTn>
+              <p:prevCondLst>
+                <p:cond evt="onPrev" delay="0">
+                  <p:tgtEl>
+                    <p:sldTgt/>
+                  </p:tgtEl>
+                </p:cond>
+              </p:prevCondLst>
+              <p:nextCondLst>
+                <p:cond evt="onNext" delay="0">
+                  <p:tgtEl>
+                    <p:sldTgt/>
+                  </p:tgtEl>
+                </p:cond>
+              </p:nextCondLst>
+            </p:seq>
+          </p:childTnLst>
+        </p:cTn>
+      </p:par>
+    </p:tnLst>
+  </p:timing>
+</p:sld>
+</file>
+
+<file path=ppt/slides/slide7.xml><?xml version="1.0" encoding="utf-8"?>
+<p:sld xmlns:a="http://schemas.openxmlformats.org/drawingml/2006/main" xmlns:r="http://schemas.openxmlformats.org/officeDocument/2006/relationships" xmlns:p="http://schemas.openxmlformats.org/presentationml/2006/main">
+  <p:cSld>
+    <p:spTree>
+      <p:nvGrpSpPr>
+        <p:cNvPr id="1" name=""/>
+        <p:cNvGrpSpPr/>
+        <p:nvPr/>
+      </p:nvGrpSpPr>
+      <p:grpSpPr>
+        <a:xfrm>
+          <a:off x="0" y="0"/>
+          <a:ext cx="0" cy="0"/>
+          <a:chOff x="0" y="0"/>
+          <a:chExt cx="0" cy="0"/>
+        </a:xfrm>
+      </p:grpSpPr>
+      <p:sp>
+        <p:nvSpPr>
+          <p:cNvPr id="2" name="Title 1">
+            <a:extLst>
+              <a:ext uri="{FF2B5EF4-FFF2-40B4-BE49-F238E27FC236}">
+                <a16:creationId xmlns:a16="http://schemas.microsoft.com/office/drawing/2014/main" id="{20D891BA-46E9-42E7-A910-E78ABDC48EA5}"/>
+              </a:ext>
+            </a:extLst>
+          </p:cNvPr>
+          <p:cNvSpPr>
+            <a:spLocks noGrp="1"/>
+          </p:cNvSpPr>
+          <p:nvPr>
+            <p:ph type="title"/>
+          </p:nvPr>
+        </p:nvSpPr>
+        <p:spPr/>
+        <p:txBody>
+          <a:bodyPr/>
+          <a:lstStyle/>
+          <a:p>
+            <a:r>
+              <a:rPr lang="en-US" dirty="0"/>
+              <a:t>Does this work?</a:t>
+            </a:r>
+          </a:p>
+        </p:txBody>
+      </p:sp>
+      <p:sp>
+        <p:nvSpPr>
+          <p:cNvPr id="3" name="Content Placeholder 2">
+            <a:extLst>
+              <a:ext uri="{FF2B5EF4-FFF2-40B4-BE49-F238E27FC236}">
+                <a16:creationId xmlns:a16="http://schemas.microsoft.com/office/drawing/2014/main" id="{E434FE72-491C-4B75-9B3B-D4009EA06CCC}"/>
+              </a:ext>
+            </a:extLst>
+          </p:cNvPr>
+          <p:cNvSpPr>
+            <a:spLocks noGrp="1"/>
+          </p:cNvSpPr>
+          <p:nvPr>
+            <p:ph idx="1"/>
+          </p:nvPr>
+        </p:nvSpPr>
+        <p:spPr/>
+        <p:txBody>
+          <a:bodyPr/>
+          <a:lstStyle/>
+          <a:p>
+            <a:r>
+              <a:rPr lang="en-US" dirty="0"/>
+              <a:t>Yes! A few drawbacks however:</a:t>
+            </a:r>
+          </a:p>
+          <a:p>
+            <a:pPr lvl="2"/>
+            <a:r>
+              <a:rPr lang="en-US" dirty="0"/>
+              <a:t>Hash checking</a:t>
+            </a:r>
+          </a:p>
+          <a:p>
+            <a:pPr lvl="2"/>
+            <a:r>
+              <a:rPr lang="en-US" dirty="0"/>
+              <a:t>Proper error handling</a:t>
+            </a:r>
+          </a:p>
+          <a:p>
+            <a:pPr lvl="2"/>
+            <a:r>
+              <a:rPr lang="en-US" dirty="0"/>
+              <a:t>Replacing a required function*</a:t>
+            </a:r>
+          </a:p>
+          <a:p>
+            <a:pPr lvl="2"/>
+            <a:endParaRPr lang="en-US" dirty="0"/>
+          </a:p>
+          <a:p>
+            <a:pPr lvl="2"/>
+            <a:endParaRPr lang="en-US" dirty="0"/>
+          </a:p>
+          <a:p>
+            <a:r>
+              <a:rPr lang="en-US" dirty="0"/>
+              <a:t>The best quality if viable? Completely undetectable</a:t>
+            </a:r>
+          </a:p>
+          <a:p>
+            <a:pPr lvl="2"/>
+            <a:endParaRPr lang="en-US" dirty="0"/>
+          </a:p>
+        </p:txBody>
+      </p:sp>
+    </p:spTree>
+    <p:extLst>
+      <p:ext uri="{BB962C8B-B14F-4D97-AF65-F5344CB8AC3E}">
+        <p14:creationId xmlns:p14="http://schemas.microsoft.com/office/powerpoint/2010/main" val="2957277995"/>
+      </p:ext>
+    </p:extLst>
+  </p:cSld>
+  <p:clrMapOvr>
+    <a:masterClrMapping/>
+  </p:clrMapOvr>
+  <p:timing>
+    <p:tnLst>
+      <p:par>
+        <p:cTn id="1" dur="indefinite" restart="never" nodeType="tmRoot">
+          <p:childTnLst>
+            <p:seq concurrent="1" nextAc="seek">
+              <p:cTn id="2" dur="indefinite" nodeType="mainSeq">
+                <p:childTnLst>
+                  <p:par>
+                    <p:cTn id="3" fill="hold">
+                      <p:stCondLst>
+                        <p:cond delay="indefinite"/>
+                      </p:stCondLst>
+                      <p:childTnLst>
+                        <p:par>
+                          <p:cTn id="4" fill="hold">
+                            <p:stCondLst>
+                              <p:cond delay="0"/>
+                            </p:stCondLst>
+                            <p:childTnLst>
+                              <p:par>
+                                <p:cTn id="5" presetID="1" presetClass="entr" presetSubtype="0" fill="hold" nodeType="clickEffect">
+                                  <p:stCondLst>
+                                    <p:cond delay="0"/>
+                                  </p:stCondLst>
+                                  <p:childTnLst>
+                                    <p:set>
+                                      <p:cBhvr>
+                                        <p:cTn id="6" dur="1" fill="hold">
+                                          <p:stCondLst>
+                                            <p:cond delay="0"/>
+                                          </p:stCondLst>
+                                        </p:cTn>
+                                        <p:tgtEl>
+                                          <p:spTgt spid="3">
+                                            <p:txEl>
+                                              <p:pRg st="1" end="1"/>
+                                            </p:txEl>
+                                          </p:spTgt>
+                                        </p:tgtEl>
+                                        <p:attrNameLst>
+                                          <p:attrName>style.visibility</p:attrName>
+                                        </p:attrNameLst>
+                                      </p:cBhvr>
+                                      <p:to>
+                                        <p:strVal val="visible"/>
+                                      </p:to>
+                                    </p:set>
+                                  </p:childTnLst>
+                                </p:cTn>
+                              </p:par>
+                            </p:childTnLst>
+                          </p:cTn>
+                        </p:par>
+                      </p:childTnLst>
+                    </p:cTn>
+                  </p:par>
+                  <p:par>
+                    <p:cTn id="7" fill="hold">
+                      <p:stCondLst>
+                        <p:cond delay="indefinite"/>
+                      </p:stCondLst>
+                      <p:childTnLst>
+                        <p:par>
+                          <p:cTn id="8" fill="hold">
+                            <p:stCondLst>
+                              <p:cond delay="0"/>
+                            </p:stCondLst>
+                            <p:childTnLst>
+                              <p:par>
+                                <p:cTn id="9" presetID="1" presetClass="entr" presetSubtype="0" fill="hold" nodeType="clickEffect">
+                                  <p:stCondLst>
+                                    <p:cond delay="0"/>
+                                  </p:stCondLst>
+                                  <p:childTnLst>
+                                    <p:set>
+                                      <p:cBhvr>
+                                        <p:cTn id="10" dur="1" fill="hold">
+                                          <p:stCondLst>
+                                            <p:cond delay="0"/>
+                                          </p:stCondLst>
+                                        </p:cTn>
+                                        <p:tgtEl>
+                                          <p:spTgt spid="3">
+                                            <p:txEl>
+                                              <p:pRg st="2" end="2"/>
+                                            </p:txEl>
+                                          </p:spTgt>
+                                        </p:tgtEl>
+                                        <p:attrNameLst>
+                                          <p:attrName>style.visibility</p:attrName>
+                                        </p:attrNameLst>
+                                      </p:cBhvr>
+                                      <p:to>
+                                        <p:strVal val="visible"/>
+                                      </p:to>
+                                    </p:set>
+                                  </p:childTnLst>
+                                </p:cTn>
+                              </p:par>
+                            </p:childTnLst>
+                          </p:cTn>
+                        </p:par>
+                      </p:childTnLst>
+                    </p:cTn>
+                  </p:par>
+                  <p:par>
+                    <p:cTn id="11" fill="hold">
+                      <p:stCondLst>
+                        <p:cond delay="indefinite"/>
+                      </p:stCondLst>
+                      <p:childTnLst>
+                        <p:par>
+                          <p:cTn id="12" fill="hold">
+                            <p:stCondLst>
+                              <p:cond delay="0"/>
+                            </p:stCondLst>
+                            <p:childTnLst>
+                              <p:par>
+                                <p:cTn id="13" presetID="1" presetClass="entr" presetSubtype="0" fill="hold" nodeType="clickEffect">
+                                  <p:stCondLst>
+                                    <p:cond delay="0"/>
+                                  </p:stCondLst>
+                                  <p:childTnLst>
+                                    <p:set>
+                                      <p:cBhvr>
+                                        <p:cTn id="14" dur="1" fill="hold">
+                                          <p:stCondLst>
+                                            <p:cond delay="0"/>
+                                          </p:stCondLst>
+                                        </p:cTn>
+                                        <p:tgtEl>
+                                          <p:spTgt spid="3">
+                                            <p:txEl>
+                                              <p:pRg st="3" end="3"/>
+                                            </p:txEl>
+                                          </p:spTgt>
+                                        </p:tgtEl>
+                                        <p:attrNameLst>
+                                          <p:attrName>style.visibility</p:attrName>
+                                        </p:attrNameLst>
+                                      </p:cBhvr>
+                                      <p:to>
+                                        <p:strVal val="visible"/>
+                                      </p:to>
+                                    </p:set>
+                                  </p:childTnLst>
+                                </p:cTn>
+                              </p:par>
+                            </p:childTnLst>
+                          </p:cTn>
+                        </p:par>
+                      </p:childTnLst>
+                    </p:cTn>
+                  </p:par>
+                  <p:par>
+                    <p:cTn id="15" fill="hold">
+                      <p:stCondLst>
+                        <p:cond delay="indefinite"/>
+                      </p:stCondLst>
+                      <p:childTnLst>
+                        <p:par>
+                          <p:cTn id="16" fill="hold">
+                            <p:stCondLst>
+                              <p:cond delay="0"/>
+                            </p:stCondLst>
+                            <p:childTnLst>
+                              <p:par>
+                                <p:cTn id="17" presetID="1" presetClass="entr" presetSubtype="0" fill="hold" nodeType="clickEffect">
+                                  <p:stCondLst>
+                                    <p:cond delay="0"/>
+                                  </p:stCondLst>
+                                  <p:childTnLst>
+                                    <p:set>
+                                      <p:cBhvr>
+                                        <p:cTn id="18" dur="1" fill="hold">
+                                          <p:stCondLst>
+                                            <p:cond delay="0"/>
+                                          </p:stCondLst>
+                                        </p:cTn>
+                                        <p:tgtEl>
+                                          <p:spTgt spid="3">
+                                            <p:txEl>
+                                              <p:pRg st="6" end="6"/>
+                                            </p:txEl>
+                                          </p:spTgt>
+                                        </p:tgtEl>
+                                        <p:attrNameLst>
+                                          <p:attrName>style.visibility</p:attrName>
+                                        </p:attrNameLst>
+                                      </p:cBhvr>
+                                      <p:to>
+                                        <p:strVal val="visible"/>
+                                      </p:to>
+                                    </p:set>
+                                  </p:childTnLst>
+                                </p:cTn>
+                              </p:par>
+                            </p:childTnLst>
+                          </p:cTn>
+                        </p:par>
+                      </p:childTnLst>
+                    </p:cTn>
+                  </p:par>
+                </p:childTnLst>
+              </p:cTn>
+              <p:prevCondLst>
+                <p:cond evt="onPrev" delay="0">
+                  <p:tgtEl>
+                    <p:sldTgt/>
+                  </p:tgtEl>
+                </p:cond>
+              </p:prevCondLst>
+              <p:nextCondLst>
+                <p:cond evt="onNext" delay="0">
+                  <p:tgtEl>
+                    <p:sldTgt/>
+                  </p:tgtEl>
+                </p:cond>
+              </p:nextCondLst>
+            </p:seq>
+          </p:childTnLst>
+        </p:cTn>
+      </p:par>
+    </p:tnLst>
+  </p:timing>
 </p:sld>
 </file>
 

--- a/NWMSU_CyberSecurity_Presentation.pptx
+++ b/NWMSU_CyberSecurity_Presentation.pptx
@@ -12,6 +12,8 @@
     <p:sldId id="260" r:id="rId6"/>
     <p:sldId id="261" r:id="rId7"/>
     <p:sldId id="262" r:id="rId8"/>
+    <p:sldId id="263" r:id="rId9"/>
+    <p:sldId id="264" r:id="rId10"/>
   </p:sldIdLst>
   <p:sldSz cx="12192000" cy="6858000"/>
   <p:notesSz cx="6858000" cy="9144000"/>
@@ -5234,6 +5236,578 @@
 </p:sld>
 </file>
 
+<file path=ppt/slides/slide8.xml><?xml version="1.0" encoding="utf-8"?>
+<p:sld xmlns:a="http://schemas.openxmlformats.org/drawingml/2006/main" xmlns:r="http://schemas.openxmlformats.org/officeDocument/2006/relationships" xmlns:p="http://schemas.openxmlformats.org/presentationml/2006/main">
+  <p:cSld>
+    <p:spTree>
+      <p:nvGrpSpPr>
+        <p:cNvPr id="1" name=""/>
+        <p:cNvGrpSpPr/>
+        <p:nvPr/>
+      </p:nvGrpSpPr>
+      <p:grpSpPr>
+        <a:xfrm>
+          <a:off x="0" y="0"/>
+          <a:ext cx="0" cy="0"/>
+          <a:chOff x="0" y="0"/>
+          <a:chExt cx="0" cy="0"/>
+        </a:xfrm>
+      </p:grpSpPr>
+      <p:sp>
+        <p:nvSpPr>
+          <p:cNvPr id="2" name="Title 1">
+            <a:extLst>
+              <a:ext uri="{FF2B5EF4-FFF2-40B4-BE49-F238E27FC236}">
+                <a16:creationId xmlns:a16="http://schemas.microsoft.com/office/drawing/2014/main" id="{938C96A6-0769-486B-B939-E1AE1C344AED}"/>
+              </a:ext>
+            </a:extLst>
+          </p:cNvPr>
+          <p:cNvSpPr>
+            <a:spLocks noGrp="1"/>
+          </p:cNvSpPr>
+          <p:nvPr>
+            <p:ph type="title"/>
+          </p:nvPr>
+        </p:nvSpPr>
+        <p:spPr/>
+        <p:txBody>
+          <a:bodyPr/>
+          <a:lstStyle/>
+          <a:p>
+            <a:r>
+              <a:rPr lang="en-US" dirty="0"/>
+              <a:t>Lockdown browser specific</a:t>
+            </a:r>
+          </a:p>
+        </p:txBody>
+      </p:sp>
+      <p:sp>
+        <p:nvSpPr>
+          <p:cNvPr id="4" name="TextBox 3">
+            <a:extLst>
+              <a:ext uri="{FF2B5EF4-FFF2-40B4-BE49-F238E27FC236}">
+                <a16:creationId xmlns:a16="http://schemas.microsoft.com/office/drawing/2014/main" id="{C645691A-3FC9-4320-87EF-EFACF8E28A9D}"/>
+              </a:ext>
+            </a:extLst>
+          </p:cNvPr>
+          <p:cNvSpPr txBox="1"/>
+          <p:nvPr/>
+        </p:nvSpPr>
+        <p:spPr>
+          <a:xfrm>
+            <a:off x="2332139" y="2399251"/>
+            <a:ext cx="7628725" cy="1477328"/>
+          </a:xfrm>
+          <a:prstGeom prst="rect">
+            <a:avLst/>
+          </a:prstGeom>
+          <a:noFill/>
+        </p:spPr>
+        <p:txBody>
+          <a:bodyPr wrap="square" rtlCol="0">
+            <a:spAutoFit/>
+          </a:bodyPr>
+          <a:lstStyle/>
+          <a:p>
+            <a:r>
+              <a:rPr lang="en-US" dirty="0"/>
+              <a:t>What is </a:t>
+            </a:r>
+            <a:r>
+              <a:rPr lang="en-US" dirty="0" err="1"/>
+              <a:t>LockDown</a:t>
+            </a:r>
+            <a:r>
+              <a:rPr lang="en-US" dirty="0"/>
+              <a:t> Browser comprised of?</a:t>
+            </a:r>
+          </a:p>
+          <a:p>
+            <a:pPr marL="285750" indent="-285750">
+              <a:buFontTx/>
+              <a:buChar char="-"/>
+            </a:pPr>
+            <a:r>
+              <a:rPr lang="en-US" dirty="0"/>
+              <a:t>Heavily modified Chromium</a:t>
+            </a:r>
+          </a:p>
+          <a:p>
+            <a:pPr marL="285750" indent="-285750">
+              <a:buFontTx/>
+              <a:buChar char="-"/>
+            </a:pPr>
+            <a:r>
+              <a:rPr lang="en-US" dirty="0"/>
+              <a:t>Tons of WINAPI function calls to disable potential bypasses</a:t>
+            </a:r>
+          </a:p>
+          <a:p>
+            <a:pPr marL="285750" indent="-285750">
+              <a:buFontTx/>
+              <a:buChar char="-"/>
+            </a:pPr>
+            <a:r>
+              <a:rPr lang="en-US" dirty="0"/>
+              <a:t>Few of low-level hardware &amp; software hooking (what we are interested in)</a:t>
+            </a:r>
+          </a:p>
+          <a:p>
+            <a:r>
+              <a:rPr lang="en-US" dirty="0"/>
+              <a:t>	</a:t>
+            </a:r>
+          </a:p>
+        </p:txBody>
+      </p:sp>
+    </p:spTree>
+    <p:extLst>
+      <p:ext uri="{BB962C8B-B14F-4D97-AF65-F5344CB8AC3E}">
+        <p14:creationId xmlns:p14="http://schemas.microsoft.com/office/powerpoint/2010/main" val="90273235"/>
+      </p:ext>
+    </p:extLst>
+  </p:cSld>
+  <p:clrMapOvr>
+    <a:masterClrMapping/>
+  </p:clrMapOvr>
+  <p:timing>
+    <p:tnLst>
+      <p:par>
+        <p:cTn id="1" dur="indefinite" restart="never" nodeType="tmRoot">
+          <p:childTnLst>
+            <p:seq concurrent="1" nextAc="seek">
+              <p:cTn id="2" dur="indefinite" nodeType="mainSeq">
+                <p:childTnLst>
+                  <p:par>
+                    <p:cTn id="3" fill="hold">
+                      <p:stCondLst>
+                        <p:cond delay="indefinite"/>
+                      </p:stCondLst>
+                      <p:childTnLst>
+                        <p:par>
+                          <p:cTn id="4" fill="hold">
+                            <p:stCondLst>
+                              <p:cond delay="0"/>
+                            </p:stCondLst>
+                            <p:childTnLst>
+                              <p:par>
+                                <p:cTn id="5" presetID="1" presetClass="entr" presetSubtype="0" fill="hold" nodeType="clickEffect">
+                                  <p:stCondLst>
+                                    <p:cond delay="0"/>
+                                  </p:stCondLst>
+                                  <p:childTnLst>
+                                    <p:set>
+                                      <p:cBhvr>
+                                        <p:cTn id="6" dur="1" fill="hold">
+                                          <p:stCondLst>
+                                            <p:cond delay="0"/>
+                                          </p:stCondLst>
+                                        </p:cTn>
+                                        <p:tgtEl>
+                                          <p:spTgt spid="4">
+                                            <p:txEl>
+                                              <p:pRg st="1" end="1"/>
+                                            </p:txEl>
+                                          </p:spTgt>
+                                        </p:tgtEl>
+                                        <p:attrNameLst>
+                                          <p:attrName>style.visibility</p:attrName>
+                                        </p:attrNameLst>
+                                      </p:cBhvr>
+                                      <p:to>
+                                        <p:strVal val="visible"/>
+                                      </p:to>
+                                    </p:set>
+                                  </p:childTnLst>
+                                </p:cTn>
+                              </p:par>
+                            </p:childTnLst>
+                          </p:cTn>
+                        </p:par>
+                      </p:childTnLst>
+                    </p:cTn>
+                  </p:par>
+                  <p:par>
+                    <p:cTn id="7" fill="hold">
+                      <p:stCondLst>
+                        <p:cond delay="indefinite"/>
+                      </p:stCondLst>
+                      <p:childTnLst>
+                        <p:par>
+                          <p:cTn id="8" fill="hold">
+                            <p:stCondLst>
+                              <p:cond delay="0"/>
+                            </p:stCondLst>
+                            <p:childTnLst>
+                              <p:par>
+                                <p:cTn id="9" presetID="1" presetClass="entr" presetSubtype="0" fill="hold" nodeType="clickEffect">
+                                  <p:stCondLst>
+                                    <p:cond delay="0"/>
+                                  </p:stCondLst>
+                                  <p:childTnLst>
+                                    <p:set>
+                                      <p:cBhvr>
+                                        <p:cTn id="10" dur="1" fill="hold">
+                                          <p:stCondLst>
+                                            <p:cond delay="0"/>
+                                          </p:stCondLst>
+                                        </p:cTn>
+                                        <p:tgtEl>
+                                          <p:spTgt spid="4">
+                                            <p:txEl>
+                                              <p:pRg st="2" end="2"/>
+                                            </p:txEl>
+                                          </p:spTgt>
+                                        </p:tgtEl>
+                                        <p:attrNameLst>
+                                          <p:attrName>style.visibility</p:attrName>
+                                        </p:attrNameLst>
+                                      </p:cBhvr>
+                                      <p:to>
+                                        <p:strVal val="visible"/>
+                                      </p:to>
+                                    </p:set>
+                                  </p:childTnLst>
+                                </p:cTn>
+                              </p:par>
+                            </p:childTnLst>
+                          </p:cTn>
+                        </p:par>
+                      </p:childTnLst>
+                    </p:cTn>
+                  </p:par>
+                  <p:par>
+                    <p:cTn id="11" fill="hold">
+                      <p:stCondLst>
+                        <p:cond delay="indefinite"/>
+                      </p:stCondLst>
+                      <p:childTnLst>
+                        <p:par>
+                          <p:cTn id="12" fill="hold">
+                            <p:stCondLst>
+                              <p:cond delay="0"/>
+                            </p:stCondLst>
+                            <p:childTnLst>
+                              <p:par>
+                                <p:cTn id="13" presetID="1" presetClass="entr" presetSubtype="0" fill="hold" nodeType="clickEffect">
+                                  <p:stCondLst>
+                                    <p:cond delay="0"/>
+                                  </p:stCondLst>
+                                  <p:childTnLst>
+                                    <p:set>
+                                      <p:cBhvr>
+                                        <p:cTn id="14" dur="1" fill="hold">
+                                          <p:stCondLst>
+                                            <p:cond delay="0"/>
+                                          </p:stCondLst>
+                                        </p:cTn>
+                                        <p:tgtEl>
+                                          <p:spTgt spid="4">
+                                            <p:txEl>
+                                              <p:pRg st="3" end="3"/>
+                                            </p:txEl>
+                                          </p:spTgt>
+                                        </p:tgtEl>
+                                        <p:attrNameLst>
+                                          <p:attrName>style.visibility</p:attrName>
+                                        </p:attrNameLst>
+                                      </p:cBhvr>
+                                      <p:to>
+                                        <p:strVal val="visible"/>
+                                      </p:to>
+                                    </p:set>
+                                  </p:childTnLst>
+                                </p:cTn>
+                              </p:par>
+                            </p:childTnLst>
+                          </p:cTn>
+                        </p:par>
+                      </p:childTnLst>
+                    </p:cTn>
+                  </p:par>
+                </p:childTnLst>
+              </p:cTn>
+              <p:prevCondLst>
+                <p:cond evt="onPrev" delay="0">
+                  <p:tgtEl>
+                    <p:sldTgt/>
+                  </p:tgtEl>
+                </p:cond>
+              </p:prevCondLst>
+              <p:nextCondLst>
+                <p:cond evt="onNext" delay="0">
+                  <p:tgtEl>
+                    <p:sldTgt/>
+                  </p:tgtEl>
+                </p:cond>
+              </p:nextCondLst>
+            </p:seq>
+          </p:childTnLst>
+        </p:cTn>
+      </p:par>
+    </p:tnLst>
+  </p:timing>
+</p:sld>
+</file>
+
+<file path=ppt/slides/slide9.xml><?xml version="1.0" encoding="utf-8"?>
+<p:sld xmlns:a="http://schemas.openxmlformats.org/drawingml/2006/main" xmlns:r="http://schemas.openxmlformats.org/officeDocument/2006/relationships" xmlns:p="http://schemas.openxmlformats.org/presentationml/2006/main">
+  <p:cSld>
+    <p:spTree>
+      <p:nvGrpSpPr>
+        <p:cNvPr id="1" name=""/>
+        <p:cNvGrpSpPr/>
+        <p:nvPr/>
+      </p:nvGrpSpPr>
+      <p:grpSpPr>
+        <a:xfrm>
+          <a:off x="0" y="0"/>
+          <a:ext cx="0" cy="0"/>
+          <a:chOff x="0" y="0"/>
+          <a:chExt cx="0" cy="0"/>
+        </a:xfrm>
+      </p:grpSpPr>
+      <p:sp>
+        <p:nvSpPr>
+          <p:cNvPr id="2" name="Title 1">
+            <a:extLst>
+              <a:ext uri="{FF2B5EF4-FFF2-40B4-BE49-F238E27FC236}">
+                <a16:creationId xmlns:a16="http://schemas.microsoft.com/office/drawing/2014/main" id="{D159429D-EA50-4248-B199-E5164509293E}"/>
+              </a:ext>
+            </a:extLst>
+          </p:cNvPr>
+          <p:cNvSpPr>
+            <a:spLocks noGrp="1"/>
+          </p:cNvSpPr>
+          <p:nvPr>
+            <p:ph type="title"/>
+          </p:nvPr>
+        </p:nvSpPr>
+        <p:spPr/>
+        <p:txBody>
+          <a:bodyPr/>
+          <a:lstStyle/>
+          <a:p>
+            <a:r>
+              <a:rPr lang="en-US" dirty="0"/>
+              <a:t>Lockdown browser imports</a:t>
+            </a:r>
+          </a:p>
+        </p:txBody>
+      </p:sp>
+      <p:pic>
+        <p:nvPicPr>
+          <p:cNvPr id="5" name="Content Placeholder 4">
+            <a:extLst>
+              <a:ext uri="{FF2B5EF4-FFF2-40B4-BE49-F238E27FC236}">
+                <a16:creationId xmlns:a16="http://schemas.microsoft.com/office/drawing/2014/main" id="{4A2EFADB-5542-4991-BD88-FC909E466FC2}"/>
+              </a:ext>
+            </a:extLst>
+          </p:cNvPr>
+          <p:cNvPicPr>
+            <a:picLocks noGrp="1" noChangeAspect="1"/>
+          </p:cNvPicPr>
+          <p:nvPr>
+            <p:ph idx="1"/>
+          </p:nvPr>
+        </p:nvPicPr>
+        <p:blipFill>
+          <a:blip r:embed="rId2"/>
+          <a:stretch>
+            <a:fillRect/>
+          </a:stretch>
+        </p:blipFill>
+        <p:spPr>
+          <a:xfrm>
+            <a:off x="3287960" y="2570989"/>
+            <a:ext cx="5448300" cy="2133600"/>
+          </a:xfrm>
+        </p:spPr>
+      </p:pic>
+      <p:sp>
+        <p:nvSpPr>
+          <p:cNvPr id="6" name="TextBox 5">
+            <a:extLst>
+              <a:ext uri="{FF2B5EF4-FFF2-40B4-BE49-F238E27FC236}">
+                <a16:creationId xmlns:a16="http://schemas.microsoft.com/office/drawing/2014/main" id="{1AA8B444-C2EA-497C-9C30-8C0494051DE6}"/>
+              </a:ext>
+            </a:extLst>
+          </p:cNvPr>
+          <p:cNvSpPr txBox="1"/>
+          <p:nvPr/>
+        </p:nvSpPr>
+        <p:spPr>
+          <a:xfrm>
+            <a:off x="3287961" y="4915949"/>
+            <a:ext cx="5448300" cy="369332"/>
+          </a:xfrm>
+          <a:prstGeom prst="rect">
+            <a:avLst/>
+          </a:prstGeom>
+          <a:noFill/>
+        </p:spPr>
+        <p:txBody>
+          <a:bodyPr wrap="square" rtlCol="0">
+            <a:spAutoFit/>
+          </a:bodyPr>
+          <a:lstStyle/>
+          <a:p>
+            <a:pPr algn="ctr"/>
+            <a:r>
+              <a:rPr lang="en-US" dirty="0" err="1"/>
+              <a:t>OwO</a:t>
+            </a:r>
+            <a:r>
+              <a:rPr lang="en-US" dirty="0"/>
+              <a:t> </a:t>
+            </a:r>
+            <a:r>
+              <a:rPr lang="en-US" dirty="0" err="1"/>
+              <a:t>whats</a:t>
+            </a:r>
+            <a:r>
+              <a:rPr lang="en-US" dirty="0"/>
+              <a:t> this?</a:t>
+            </a:r>
+          </a:p>
+        </p:txBody>
+      </p:sp>
+    </p:spTree>
+    <p:extLst>
+      <p:ext uri="{BB962C8B-B14F-4D97-AF65-F5344CB8AC3E}">
+        <p14:creationId xmlns:p14="http://schemas.microsoft.com/office/powerpoint/2010/main" val="3055317698"/>
+      </p:ext>
+    </p:extLst>
+  </p:cSld>
+  <p:clrMapOvr>
+    <a:masterClrMapping/>
+  </p:clrMapOvr>
+  <p:timing>
+    <p:tnLst>
+      <p:par>
+        <p:cTn id="1" dur="indefinite" restart="never" nodeType="tmRoot">
+          <p:childTnLst>
+            <p:seq concurrent="1" nextAc="seek">
+              <p:cTn id="2" dur="indefinite" nodeType="mainSeq">
+                <p:childTnLst>
+                  <p:par>
+                    <p:cTn id="3" fill="hold">
+                      <p:stCondLst>
+                        <p:cond delay="indefinite"/>
+                      </p:stCondLst>
+                      <p:childTnLst>
+                        <p:par>
+                          <p:cTn id="4" fill="hold">
+                            <p:stCondLst>
+                              <p:cond delay="0"/>
+                            </p:stCondLst>
+                            <p:childTnLst>
+                              <p:par>
+                                <p:cTn id="5" presetID="1" presetClass="entr" presetSubtype="0" fill="hold" nodeType="clickEffect">
+                                  <p:stCondLst>
+                                    <p:cond delay="0"/>
+                                  </p:stCondLst>
+                                  <p:childTnLst>
+                                    <p:set>
+                                      <p:cBhvr>
+                                        <p:cTn id="6" dur="1" fill="hold">
+                                          <p:stCondLst>
+                                            <p:cond delay="0"/>
+                                          </p:stCondLst>
+                                        </p:cTn>
+                                        <p:tgtEl>
+                                          <p:spTgt spid="5"/>
+                                        </p:tgtEl>
+                                        <p:attrNameLst>
+                                          <p:attrName>style.visibility</p:attrName>
+                                        </p:attrNameLst>
+                                      </p:cBhvr>
+                                      <p:to>
+                                        <p:strVal val="visible"/>
+                                      </p:to>
+                                    </p:set>
+                                  </p:childTnLst>
+                                </p:cTn>
+                              </p:par>
+                            </p:childTnLst>
+                          </p:cTn>
+                        </p:par>
+                      </p:childTnLst>
+                    </p:cTn>
+                  </p:par>
+                  <p:par>
+                    <p:cTn id="7" fill="hold">
+                      <p:stCondLst>
+                        <p:cond delay="indefinite"/>
+                      </p:stCondLst>
+                      <p:childTnLst>
+                        <p:par>
+                          <p:cTn id="8" fill="hold">
+                            <p:stCondLst>
+                              <p:cond delay="0"/>
+                            </p:stCondLst>
+                            <p:childTnLst>
+                              <p:par>
+                                <p:cTn id="9" presetID="1" presetClass="entr" presetSubtype="0" fill="hold" grpId="0" nodeType="clickEffect">
+                                  <p:stCondLst>
+                                    <p:cond delay="0"/>
+                                  </p:stCondLst>
+                                  <p:childTnLst>
+                                    <p:set>
+                                      <p:cBhvr>
+                                        <p:cTn id="10" dur="1" fill="hold">
+                                          <p:stCondLst>
+                                            <p:cond delay="0"/>
+                                          </p:stCondLst>
+                                        </p:cTn>
+                                        <p:tgtEl>
+                                          <p:spTgt spid="6"/>
+                                        </p:tgtEl>
+                                        <p:attrNameLst>
+                                          <p:attrName>style.visibility</p:attrName>
+                                        </p:attrNameLst>
+                                      </p:cBhvr>
+                                      <p:to>
+                                        <p:strVal val="visible"/>
+                                      </p:to>
+                                    </p:set>
+                                  </p:childTnLst>
+                                </p:cTn>
+                              </p:par>
+                            </p:childTnLst>
+                          </p:cTn>
+                        </p:par>
+                      </p:childTnLst>
+                    </p:cTn>
+                  </p:par>
+                </p:childTnLst>
+              </p:cTn>
+              <p:prevCondLst>
+                <p:cond evt="onPrev" delay="0">
+                  <p:tgtEl>
+                    <p:sldTgt/>
+                  </p:tgtEl>
+                </p:cond>
+              </p:prevCondLst>
+              <p:nextCondLst>
+                <p:cond evt="onNext" delay="0">
+                  <p:tgtEl>
+                    <p:sldTgt/>
+                  </p:tgtEl>
+                </p:cond>
+              </p:nextCondLst>
+            </p:seq>
+          </p:childTnLst>
+        </p:cTn>
+      </p:par>
+    </p:tnLst>
+    <p:bldLst>
+      <p:bldP spid="6" grpId="0"/>
+    </p:bldLst>
+  </p:timing>
+</p:sld>
+</file>
+
 <file path=ppt/theme/theme1.xml><?xml version="1.0" encoding="utf-8"?>
 <a:theme xmlns:a="http://schemas.openxmlformats.org/drawingml/2006/main" name="Parcel">
   <a:themeElements>

--- a/NWMSU_CyberSecurity_Presentation.pptx
+++ b/NWMSU_CyberSecurity_Presentation.pptx
@@ -7,13 +7,14 @@
   <p:sldIdLst>
     <p:sldId id="256" r:id="rId2"/>
     <p:sldId id="257" r:id="rId3"/>
-    <p:sldId id="258" r:id="rId4"/>
-    <p:sldId id="259" r:id="rId5"/>
-    <p:sldId id="260" r:id="rId6"/>
-    <p:sldId id="261" r:id="rId7"/>
-    <p:sldId id="262" r:id="rId8"/>
-    <p:sldId id="263" r:id="rId9"/>
-    <p:sldId id="264" r:id="rId10"/>
+    <p:sldId id="265" r:id="rId4"/>
+    <p:sldId id="258" r:id="rId5"/>
+    <p:sldId id="259" r:id="rId6"/>
+    <p:sldId id="260" r:id="rId7"/>
+    <p:sldId id="261" r:id="rId8"/>
+    <p:sldId id="262" r:id="rId9"/>
+    <p:sldId id="263" r:id="rId10"/>
+    <p:sldId id="264" r:id="rId11"/>
   </p:sldIdLst>
   <p:sldSz cx="12192000" cy="6858000"/>
   <p:notesSz cx="6858000" cy="9144000"/>
@@ -283,7 +284,7 @@
           <a:p>
             <a:fld id="{1160EA64-D806-43AC-9DF2-F8C432F32B4C}" type="datetimeFigureOut">
               <a:rPr lang="en-US" dirty="0"/>
-              <a:t>4/17/2021</a:t>
+              <a:t>4/18/21</a:t>
             </a:fld>
             <a:endParaRPr lang="en-US" dirty="0"/>
           </a:p>
@@ -449,7 +450,7 @@
           <a:p>
             <a:fld id="{E9F9C37B-1D36-470B-8223-D6C91242EC14}" type="datetimeFigureOut">
               <a:rPr lang="en-US" dirty="0"/>
-              <a:t>4/17/2021</a:t>
+              <a:t>4/18/21</a:t>
             </a:fld>
             <a:endParaRPr lang="en-US" dirty="0"/>
           </a:p>
@@ -624,7 +625,7 @@
           <a:p>
             <a:fld id="{67C6F52A-A82B-47A2-A83A-8C4C91F2D59F}" type="datetimeFigureOut">
               <a:rPr lang="en-US" dirty="0"/>
-              <a:t>4/17/2021</a:t>
+              <a:t>4/18/21</a:t>
             </a:fld>
             <a:endParaRPr lang="en-US" dirty="0"/>
           </a:p>
@@ -789,7 +790,7 @@
           <a:p>
             <a:fld id="{F070A7B3-6521-4DCA-87E5-044747A908C1}" type="datetimeFigureOut">
               <a:rPr lang="en-US" dirty="0"/>
-              <a:t>4/17/2021</a:t>
+              <a:t>4/18/21</a:t>
             </a:fld>
             <a:endParaRPr lang="en-US" dirty="0"/>
           </a:p>
@@ -1053,7 +1054,7 @@
           <a:p>
             <a:fld id="{1160EA64-D806-43AC-9DF2-F8C432F32B4C}" type="datetimeFigureOut">
               <a:rPr lang="en-US" dirty="0"/>
-              <a:t>4/17/2021</a:t>
+              <a:t>4/18/21</a:t>
             </a:fld>
             <a:endParaRPr lang="en-US" dirty="0"/>
           </a:p>
@@ -1281,7 +1282,7 @@
           <a:p>
             <a:fld id="{AB134690-1557-4C89-A502-4959FE7FAD70}" type="datetimeFigureOut">
               <a:rPr lang="en-US" dirty="0"/>
-              <a:t>4/17/2021</a:t>
+              <a:t>4/18/21</a:t>
             </a:fld>
             <a:endParaRPr lang="en-US" dirty="0"/>
           </a:p>
@@ -1635,7 +1636,7 @@
           <a:p>
             <a:fld id="{4F7D4976-E339-4826-83B7-FBD03F55ECF8}" type="datetimeFigureOut">
               <a:rPr lang="en-US" dirty="0"/>
-              <a:t>4/17/2021</a:t>
+              <a:t>4/18/21</a:t>
             </a:fld>
             <a:endParaRPr lang="en-US" dirty="0"/>
           </a:p>
@@ -1771,7 +1772,7 @@
           <a:p>
             <a:fld id="{E1037C31-9E7A-4F99-8774-A0E530DE1A42}" type="datetimeFigureOut">
               <a:rPr lang="en-US" dirty="0"/>
-              <a:t>4/17/2021</a:t>
+              <a:t>4/18/21</a:t>
             </a:fld>
             <a:endParaRPr lang="en-US" dirty="0"/>
           </a:p>
@@ -1861,7 +1862,7 @@
           <a:p>
             <a:fld id="{C278504F-A551-4DE0-9316-4DCD1D8CC752}" type="datetimeFigureOut">
               <a:rPr lang="en-US" dirty="0"/>
-              <a:t>4/17/2021</a:t>
+              <a:t>4/18/21</a:t>
             </a:fld>
             <a:endParaRPr lang="en-US" dirty="0"/>
           </a:p>
@@ -2213,7 +2214,7 @@
           <a:p>
             <a:fld id="{D1BE4249-C0D0-4B06-8692-E8BB871AF643}" type="datetimeFigureOut">
               <a:rPr lang="en-US" dirty="0"/>
-              <a:t>4/17/2021</a:t>
+              <a:t>4/18/21</a:t>
             </a:fld>
             <a:endParaRPr lang="en-US" dirty="0"/>
           </a:p>
@@ -2565,7 +2566,7 @@
           <a:p>
             <a:fld id="{042B0DB6-F5C7-45FB-8CF3-31B45F9C2DAC}" type="datetimeFigureOut">
               <a:rPr lang="en-US" dirty="0"/>
-              <a:t>4/17/2021</a:t>
+              <a:t>4/18/21</a:t>
             </a:fld>
             <a:endParaRPr lang="en-US" dirty="0"/>
           </a:p>
@@ -2802,7 +2803,7 @@
           <a:p>
             <a:fld id="{1160EA64-D806-43AC-9DF2-F8C432F32B4C}" type="datetimeFigureOut">
               <a:rPr lang="en-US" dirty="0"/>
-              <a:t>4/17/2021</a:t>
+              <a:t>4/18/21</a:t>
             </a:fld>
             <a:endParaRPr lang="en-US" dirty="0"/>
           </a:p>
@@ -3328,6 +3329,256 @@
 </p:sld>
 </file>
 
+<file path=ppt/slides/slide10.xml><?xml version="1.0" encoding="utf-8"?>
+<p:sld xmlns:a="http://schemas.openxmlformats.org/drawingml/2006/main" xmlns:r="http://schemas.openxmlformats.org/officeDocument/2006/relationships" xmlns:p="http://schemas.openxmlformats.org/presentationml/2006/main">
+  <p:cSld>
+    <p:spTree>
+      <p:nvGrpSpPr>
+        <p:cNvPr id="1" name=""/>
+        <p:cNvGrpSpPr/>
+        <p:nvPr/>
+      </p:nvGrpSpPr>
+      <p:grpSpPr>
+        <a:xfrm>
+          <a:off x="0" y="0"/>
+          <a:ext cx="0" cy="0"/>
+          <a:chOff x="0" y="0"/>
+          <a:chExt cx="0" cy="0"/>
+        </a:xfrm>
+      </p:grpSpPr>
+      <p:sp>
+        <p:nvSpPr>
+          <p:cNvPr id="2" name="Title 1">
+            <a:extLst>
+              <a:ext uri="{FF2B5EF4-FFF2-40B4-BE49-F238E27FC236}">
+                <a16:creationId xmlns:a16="http://schemas.microsoft.com/office/drawing/2014/main" id="{D159429D-EA50-4248-B199-E5164509293E}"/>
+              </a:ext>
+            </a:extLst>
+          </p:cNvPr>
+          <p:cNvSpPr>
+            <a:spLocks noGrp="1"/>
+          </p:cNvSpPr>
+          <p:nvPr>
+            <p:ph type="title"/>
+          </p:nvPr>
+        </p:nvSpPr>
+        <p:spPr/>
+        <p:txBody>
+          <a:bodyPr/>
+          <a:lstStyle/>
+          <a:p>
+            <a:r>
+              <a:rPr lang="en-US" dirty="0"/>
+              <a:t>Lockdown browser imports</a:t>
+            </a:r>
+          </a:p>
+        </p:txBody>
+      </p:sp>
+      <p:pic>
+        <p:nvPicPr>
+          <p:cNvPr id="5" name="Content Placeholder 4">
+            <a:extLst>
+              <a:ext uri="{FF2B5EF4-FFF2-40B4-BE49-F238E27FC236}">
+                <a16:creationId xmlns:a16="http://schemas.microsoft.com/office/drawing/2014/main" id="{4A2EFADB-5542-4991-BD88-FC909E466FC2}"/>
+              </a:ext>
+            </a:extLst>
+          </p:cNvPr>
+          <p:cNvPicPr>
+            <a:picLocks noGrp="1" noChangeAspect="1"/>
+          </p:cNvPicPr>
+          <p:nvPr>
+            <p:ph idx="1"/>
+          </p:nvPr>
+        </p:nvPicPr>
+        <p:blipFill>
+          <a:blip r:embed="rId2"/>
+          <a:stretch>
+            <a:fillRect/>
+          </a:stretch>
+        </p:blipFill>
+        <p:spPr>
+          <a:xfrm>
+            <a:off x="3287960" y="2570989"/>
+            <a:ext cx="5448300" cy="2133600"/>
+          </a:xfrm>
+        </p:spPr>
+      </p:pic>
+      <p:sp>
+        <p:nvSpPr>
+          <p:cNvPr id="6" name="TextBox 5">
+            <a:extLst>
+              <a:ext uri="{FF2B5EF4-FFF2-40B4-BE49-F238E27FC236}">
+                <a16:creationId xmlns:a16="http://schemas.microsoft.com/office/drawing/2014/main" id="{1AA8B444-C2EA-497C-9C30-8C0494051DE6}"/>
+              </a:ext>
+            </a:extLst>
+          </p:cNvPr>
+          <p:cNvSpPr txBox="1"/>
+          <p:nvPr/>
+        </p:nvSpPr>
+        <p:spPr>
+          <a:xfrm>
+            <a:off x="3287961" y="4915949"/>
+            <a:ext cx="5448300" cy="369332"/>
+          </a:xfrm>
+          <a:prstGeom prst="rect">
+            <a:avLst/>
+          </a:prstGeom>
+          <a:noFill/>
+        </p:spPr>
+        <p:txBody>
+          <a:bodyPr wrap="square" rtlCol="0">
+            <a:spAutoFit/>
+          </a:bodyPr>
+          <a:lstStyle/>
+          <a:p>
+            <a:pPr algn="ctr"/>
+            <a:r>
+              <a:rPr lang="en-US" dirty="0" err="1"/>
+              <a:t>OwO</a:t>
+            </a:r>
+            <a:r>
+              <a:rPr lang="en-US" dirty="0"/>
+              <a:t> what’s this?</a:t>
+            </a:r>
+          </a:p>
+        </p:txBody>
+      </p:sp>
+    </p:spTree>
+    <p:extLst>
+      <p:ext uri="{BB962C8B-B14F-4D97-AF65-F5344CB8AC3E}">
+        <p14:creationId xmlns:p14="http://schemas.microsoft.com/office/powerpoint/2010/main" val="3055317698"/>
+      </p:ext>
+    </p:extLst>
+  </p:cSld>
+  <p:clrMapOvr>
+    <a:masterClrMapping/>
+  </p:clrMapOvr>
+  <p:timing>
+    <p:tnLst>
+      <p:par>
+        <p:cTn id="1" dur="indefinite" restart="never" nodeType="tmRoot">
+          <p:childTnLst>
+            <p:seq concurrent="1" nextAc="seek">
+              <p:cTn id="2" dur="indefinite" nodeType="mainSeq">
+                <p:childTnLst>
+                  <p:par>
+                    <p:cTn id="3" fill="hold">
+                      <p:stCondLst>
+                        <p:cond delay="indefinite"/>
+                      </p:stCondLst>
+                      <p:childTnLst>
+                        <p:par>
+                          <p:cTn id="4" fill="hold">
+                            <p:stCondLst>
+                              <p:cond delay="0"/>
+                            </p:stCondLst>
+                            <p:childTnLst>
+                              <p:par>
+                                <p:cTn id="5" presetID="1" presetClass="entr" presetSubtype="0" fill="hold" nodeType="clickEffect">
+                                  <p:stCondLst>
+                                    <p:cond delay="0"/>
+                                  </p:stCondLst>
+                                  <p:childTnLst>
+                                    <p:set>
+                                      <p:cBhvr>
+                                        <p:cTn id="6" dur="1" fill="hold">
+                                          <p:stCondLst>
+                                            <p:cond delay="0"/>
+                                          </p:stCondLst>
+                                        </p:cTn>
+                                        <p:tgtEl>
+                                          <p:spTgt spid="5"/>
+                                        </p:tgtEl>
+                                        <p:attrNameLst>
+                                          <p:attrName>style.visibility</p:attrName>
+                                        </p:attrNameLst>
+                                      </p:cBhvr>
+                                      <p:to>
+                                        <p:strVal val="visible"/>
+                                      </p:to>
+                                    </p:set>
+                                  </p:childTnLst>
+                                </p:cTn>
+                              </p:par>
+                            </p:childTnLst>
+                          </p:cTn>
+                        </p:par>
+                      </p:childTnLst>
+                    </p:cTn>
+                  </p:par>
+                  <p:par>
+                    <p:cTn id="7" fill="hold">
+                      <p:stCondLst>
+                        <p:cond delay="indefinite"/>
+                      </p:stCondLst>
+                      <p:childTnLst>
+                        <p:par>
+                          <p:cTn id="8" fill="hold">
+                            <p:stCondLst>
+                              <p:cond delay="0"/>
+                            </p:stCondLst>
+                            <p:childTnLst>
+                              <p:par>
+                                <p:cTn id="9" presetID="1" presetClass="entr" presetSubtype="0" fill="hold" grpId="0" nodeType="clickEffect">
+                                  <p:stCondLst>
+                                    <p:cond delay="0"/>
+                                  </p:stCondLst>
+                                  <p:childTnLst>
+                                    <p:set>
+                                      <p:cBhvr>
+                                        <p:cTn id="10" dur="1" fill="hold">
+                                          <p:stCondLst>
+                                            <p:cond delay="0"/>
+                                          </p:stCondLst>
+                                        </p:cTn>
+                                        <p:tgtEl>
+                                          <p:spTgt spid="6"/>
+                                        </p:tgtEl>
+                                        <p:attrNameLst>
+                                          <p:attrName>style.visibility</p:attrName>
+                                        </p:attrNameLst>
+                                      </p:cBhvr>
+                                      <p:to>
+                                        <p:strVal val="visible"/>
+                                      </p:to>
+                                    </p:set>
+                                  </p:childTnLst>
+                                </p:cTn>
+                              </p:par>
+                            </p:childTnLst>
+                          </p:cTn>
+                        </p:par>
+                      </p:childTnLst>
+                    </p:cTn>
+                  </p:par>
+                </p:childTnLst>
+              </p:cTn>
+              <p:prevCondLst>
+                <p:cond evt="onPrev" delay="0">
+                  <p:tgtEl>
+                    <p:sldTgt/>
+                  </p:tgtEl>
+                </p:cond>
+              </p:prevCondLst>
+              <p:nextCondLst>
+                <p:cond evt="onNext" delay="0">
+                  <p:tgtEl>
+                    <p:sldTgt/>
+                  </p:tgtEl>
+                </p:cond>
+              </p:nextCondLst>
+            </p:seq>
+          </p:childTnLst>
+        </p:cTn>
+      </p:par>
+    </p:tnLst>
+    <p:bldLst>
+      <p:bldP spid="6" grpId="0"/>
+    </p:bldLst>
+  </p:timing>
+</p:sld>
+</file>
+
 <file path=ppt/slides/slide2.xml><?xml version="1.0" encoding="utf-8"?>
 <p:sld xmlns:a="http://schemas.openxmlformats.org/drawingml/2006/main" xmlns:r="http://schemas.openxmlformats.org/officeDocument/2006/relationships" xmlns:p="http://schemas.openxmlformats.org/presentationml/2006/main">
   <p:cSld>
@@ -3535,6 +3786,325 @@
 </file>
 
 <file path=ppt/slides/slide3.xml><?xml version="1.0" encoding="utf-8"?>
+<p:sld xmlns:a="http://schemas.openxmlformats.org/drawingml/2006/main" xmlns:r="http://schemas.openxmlformats.org/officeDocument/2006/relationships" xmlns:p="http://schemas.openxmlformats.org/presentationml/2006/main">
+  <p:cSld>
+    <p:bg>
+      <p:bgPr>
+        <a:solidFill>
+          <a:schemeClr val="bg1"/>
+        </a:solidFill>
+        <a:effectLst/>
+      </p:bgPr>
+    </p:bg>
+    <p:spTree>
+      <p:nvGrpSpPr>
+        <p:cNvPr id="1" name=""/>
+        <p:cNvGrpSpPr/>
+        <p:nvPr/>
+      </p:nvGrpSpPr>
+      <p:grpSpPr>
+        <a:xfrm>
+          <a:off x="0" y="0"/>
+          <a:ext cx="0" cy="0"/>
+          <a:chOff x="0" y="0"/>
+          <a:chExt cx="0" cy="0"/>
+        </a:xfrm>
+      </p:grpSpPr>
+      <p:sp useBgFill="1">
+        <p:nvSpPr>
+          <p:cNvPr id="137" name="Rectangle 136">
+            <a:extLst>
+              <a:ext uri="{FF2B5EF4-FFF2-40B4-BE49-F238E27FC236}">
+                <a16:creationId xmlns:a16="http://schemas.microsoft.com/office/drawing/2014/main" id="{419501C6-F015-4273-AF88-E0F6C853899F}"/>
+              </a:ext>
+              <a:ext uri="{C183D7F6-B498-43B3-948B-1728B52AA6E4}">
+                <adec:decorative xmlns:adec="http://schemas.microsoft.com/office/drawing/2017/decorative" val="1"/>
+              </a:ext>
+            </a:extLst>
+          </p:cNvPr>
+          <p:cNvSpPr>
+            <a:spLocks noGrp="1" noRot="1" noChangeAspect="1" noMove="1" noResize="1" noEditPoints="1" noAdjustHandles="1" noChangeArrowheads="1" noChangeShapeType="1" noTextEdit="1"/>
+          </p:cNvSpPr>
+          <p:nvPr>
+            <p:extLst>
+              <p:ext uri="{386F3935-93C4-4BCD-93E2-E3B085C9AB24}">
+                <p16:designElem xmlns:p16="http://schemas.microsoft.com/office/powerpoint/2015/main" val="1"/>
+              </p:ext>
+            </p:extLst>
+          </p:nvPr>
+        </p:nvSpPr>
+        <p:spPr>
+          <a:xfrm>
+            <a:off x="0" y="0"/>
+            <a:ext cx="12191999" cy="6858000"/>
+          </a:xfrm>
+          <a:prstGeom prst="rect">
+            <a:avLst/>
+          </a:prstGeom>
+          <a:ln>
+            <a:noFill/>
+          </a:ln>
+        </p:spPr>
+        <p:style>
+          <a:lnRef idx="2">
+            <a:schemeClr val="accent1">
+              <a:shade val="50000"/>
+            </a:schemeClr>
+          </a:lnRef>
+          <a:fillRef idx="1">
+            <a:schemeClr val="accent1"/>
+          </a:fillRef>
+          <a:effectRef idx="0">
+            <a:schemeClr val="accent1"/>
+          </a:effectRef>
+          <a:fontRef idx="minor">
+            <a:schemeClr val="lt1"/>
+          </a:fontRef>
+        </p:style>
+        <p:txBody>
+          <a:bodyPr rtlCol="0" anchor="ctr"/>
+          <a:lstStyle/>
+          <a:p>
+            <a:pPr algn="ctr"/>
+            <a:endParaRPr lang="en-US"/>
+          </a:p>
+        </p:txBody>
+      </p:sp>
+      <p:sp>
+        <p:nvSpPr>
+          <p:cNvPr id="139" name="Rectangle 138">
+            <a:extLst>
+              <a:ext uri="{FF2B5EF4-FFF2-40B4-BE49-F238E27FC236}">
+                <a16:creationId xmlns:a16="http://schemas.microsoft.com/office/drawing/2014/main" id="{CA677DB7-5829-45BD-9754-5EC484CC4253}"/>
+              </a:ext>
+              <a:ext uri="{C183D7F6-B498-43B3-948B-1728B52AA6E4}">
+                <adec:decorative xmlns:adec="http://schemas.microsoft.com/office/drawing/2017/decorative" val="1"/>
+              </a:ext>
+            </a:extLst>
+          </p:cNvPr>
+          <p:cNvSpPr>
+            <a:spLocks noGrp="1" noRot="1" noChangeAspect="1" noMove="1" noResize="1" noEditPoints="1" noAdjustHandles="1" noChangeArrowheads="1" noChangeShapeType="1" noTextEdit="1"/>
+          </p:cNvSpPr>
+          <p:nvPr>
+            <p:extLst>
+              <p:ext uri="{386F3935-93C4-4BCD-93E2-E3B085C9AB24}">
+                <p16:designElem xmlns:p16="http://schemas.microsoft.com/office/powerpoint/2015/main" val="1"/>
+              </p:ext>
+            </p:extLst>
+          </p:nvPr>
+        </p:nvSpPr>
+        <p:spPr>
+          <a:xfrm>
+            <a:off x="1" y="1"/>
+            <a:ext cx="4654296" cy="6858000"/>
+          </a:xfrm>
+          <a:prstGeom prst="rect">
+            <a:avLst/>
+          </a:prstGeom>
+          <a:solidFill>
+            <a:schemeClr val="accent2"/>
+          </a:solidFill>
+          <a:ln>
+            <a:noFill/>
+          </a:ln>
+        </p:spPr>
+        <p:style>
+          <a:lnRef idx="2">
+            <a:schemeClr val="accent1">
+              <a:shade val="50000"/>
+            </a:schemeClr>
+          </a:lnRef>
+          <a:fillRef idx="1">
+            <a:schemeClr val="accent1"/>
+          </a:fillRef>
+          <a:effectRef idx="0">
+            <a:schemeClr val="accent1"/>
+          </a:effectRef>
+          <a:fontRef idx="minor">
+            <a:schemeClr val="lt1"/>
+          </a:fontRef>
+        </p:style>
+        <p:txBody>
+          <a:bodyPr rtlCol="0" anchor="ctr"/>
+          <a:lstStyle/>
+          <a:p>
+            <a:pPr algn="ctr"/>
+            <a:endParaRPr lang="en-US"/>
+          </a:p>
+        </p:txBody>
+      </p:sp>
+      <p:sp>
+        <p:nvSpPr>
+          <p:cNvPr id="2" name="Title 1">
+            <a:extLst>
+              <a:ext uri="{FF2B5EF4-FFF2-40B4-BE49-F238E27FC236}">
+                <a16:creationId xmlns:a16="http://schemas.microsoft.com/office/drawing/2014/main" id="{707366EC-B23E-CC42-8CE2-D30E13ACB777}"/>
+              </a:ext>
+            </a:extLst>
+          </p:cNvPr>
+          <p:cNvSpPr>
+            <a:spLocks noGrp="1"/>
+          </p:cNvSpPr>
+          <p:nvPr>
+            <p:ph type="title"/>
+          </p:nvPr>
+        </p:nvSpPr>
+        <p:spPr>
+          <a:xfrm>
+            <a:off x="804672" y="2404872"/>
+            <a:ext cx="3044950" cy="1627792"/>
+          </a:xfrm>
+        </p:spPr>
+        <p:txBody>
+          <a:bodyPr vert="horz" lIns="274320" tIns="182880" rIns="274320" bIns="182880" rtlCol="0" anchor="ctr" anchorCtr="1">
+            <a:normAutofit/>
+          </a:bodyPr>
+          <a:lstStyle/>
+          <a:p>
+            <a:r>
+              <a:rPr lang="en-US" dirty="0"/>
+              <a:t>”PE” File makeup</a:t>
+            </a:r>
+          </a:p>
+        </p:txBody>
+      </p:sp>
+      <p:pic>
+        <p:nvPicPr>
+          <p:cNvPr id="1028" name="Picture 4" descr="Understanding PE Structure, The Layman's Way">
+            <a:extLst>
+              <a:ext uri="{FF2B5EF4-FFF2-40B4-BE49-F238E27FC236}">
+                <a16:creationId xmlns:a16="http://schemas.microsoft.com/office/drawing/2014/main" id="{9DCD573A-8A4C-A74B-AB59-489298B7C3AB}"/>
+              </a:ext>
+            </a:extLst>
+          </p:cNvPr>
+          <p:cNvPicPr>
+            <a:picLocks noGrp="1" noChangeAspect="1" noChangeArrowheads="1"/>
+          </p:cNvPicPr>
+          <p:nvPr>
+            <p:ph idx="1"/>
+          </p:nvPr>
+        </p:nvPicPr>
+        <p:blipFill>
+          <a:blip r:embed="rId2">
+            <a:extLst>
+              <a:ext uri="{28A0092B-C50C-407E-A947-70E740481C1C}">
+                <a14:useLocalDpi xmlns:a14="http://schemas.microsoft.com/office/drawing/2010/main" val="0"/>
+              </a:ext>
+            </a:extLst>
+          </a:blip>
+          <a:stretch>
+            <a:fillRect/>
+          </a:stretch>
+        </p:blipFill>
+        <p:spPr bwMode="auto">
+          <a:xfrm>
+            <a:off x="5294376" y="1626807"/>
+            <a:ext cx="6257544" cy="3289680"/>
+          </a:xfrm>
+          <a:prstGeom prst="rect">
+            <a:avLst/>
+          </a:prstGeom>
+          <a:noFill/>
+          <a:extLst>
+            <a:ext uri="{909E8E84-426E-40DD-AFC4-6F175D3DCCD1}">
+              <a14:hiddenFill xmlns:a14="http://schemas.microsoft.com/office/drawing/2010/main">
+                <a:solidFill>
+                  <a:srgbClr val="FFFFFF"/>
+                </a:solidFill>
+              </a14:hiddenFill>
+            </a:ext>
+          </a:extLst>
+        </p:spPr>
+      </p:pic>
+    </p:spTree>
+    <p:extLst>
+      <p:ext uri="{BB962C8B-B14F-4D97-AF65-F5344CB8AC3E}">
+        <p14:creationId xmlns:p14="http://schemas.microsoft.com/office/powerpoint/2010/main" val="2289444133"/>
+      </p:ext>
+    </p:extLst>
+  </p:cSld>
+  <p:clrMapOvr>
+    <a:masterClrMapping/>
+  </p:clrMapOvr>
+  <p:timing>
+    <p:tnLst>
+      <p:par>
+        <p:cTn id="1" dur="indefinite" restart="never" nodeType="tmRoot">
+          <p:childTnLst>
+            <p:seq concurrent="1" nextAc="seek">
+              <p:cTn id="2" dur="indefinite" nodeType="mainSeq">
+                <p:childTnLst>
+                  <p:par>
+                    <p:cTn id="3" fill="hold">
+                      <p:stCondLst>
+                        <p:cond delay="indefinite"/>
+                      </p:stCondLst>
+                      <p:childTnLst>
+                        <p:par>
+                          <p:cTn id="4" fill="hold">
+                            <p:stCondLst>
+                              <p:cond delay="0"/>
+                            </p:stCondLst>
+                            <p:childTnLst>
+                              <p:par>
+                                <p:cTn id="5" presetID="1" presetClass="entr" presetSubtype="0" fill="hold" nodeType="clickEffect">
+                                  <p:stCondLst>
+                                    <p:cond delay="0"/>
+                                  </p:stCondLst>
+                                  <p:childTnLst>
+                                    <p:set>
+                                      <p:cBhvr>
+                                        <p:cTn id="6" dur="1" fill="hold">
+                                          <p:stCondLst>
+                                            <p:cond delay="0"/>
+                                          </p:stCondLst>
+                                        </p:cTn>
+                                        <p:tgtEl>
+                                          <p:spTgt spid="1028"/>
+                                        </p:tgtEl>
+                                        <p:attrNameLst>
+                                          <p:attrName>style.visibility</p:attrName>
+                                        </p:attrNameLst>
+                                      </p:cBhvr>
+                                      <p:to>
+                                        <p:strVal val="visible"/>
+                                      </p:to>
+                                    </p:set>
+                                  </p:childTnLst>
+                                </p:cTn>
+                              </p:par>
+                            </p:childTnLst>
+                          </p:cTn>
+                        </p:par>
+                      </p:childTnLst>
+                    </p:cTn>
+                  </p:par>
+                </p:childTnLst>
+              </p:cTn>
+              <p:prevCondLst>
+                <p:cond evt="onPrev" delay="0">
+                  <p:tgtEl>
+                    <p:sldTgt/>
+                  </p:tgtEl>
+                </p:cond>
+              </p:prevCondLst>
+              <p:nextCondLst>
+                <p:cond evt="onNext" delay="0">
+                  <p:tgtEl>
+                    <p:sldTgt/>
+                  </p:tgtEl>
+                </p:cond>
+              </p:nextCondLst>
+            </p:seq>
+          </p:childTnLst>
+        </p:cTn>
+      </p:par>
+    </p:tnLst>
+  </p:timing>
+</p:sld>
+</file>
+
+<file path=ppt/slides/slide4.xml><?xml version="1.0" encoding="utf-8"?>
 <p:sld xmlns:a="http://schemas.openxmlformats.org/drawingml/2006/main" xmlns:r="http://schemas.openxmlformats.org/officeDocument/2006/relationships" xmlns:p="http://schemas.openxmlformats.org/presentationml/2006/main">
   <p:cSld>
     <p:spTree>
@@ -3813,7 +4383,7 @@
 </p:sld>
 </file>
 
-<file path=ppt/slides/slide4.xml><?xml version="1.0" encoding="utf-8"?>
+<file path=ppt/slides/slide5.xml><?xml version="1.0" encoding="utf-8"?>
 <p:sld xmlns:a="http://schemas.openxmlformats.org/drawingml/2006/main" xmlns:r="http://schemas.openxmlformats.org/officeDocument/2006/relationships" xmlns:p="http://schemas.openxmlformats.org/presentationml/2006/main">
   <p:cSld>
     <p:bg>
@@ -4242,7 +4812,7 @@
 </p:sld>
 </file>
 
-<file path=ppt/slides/slide5.xml><?xml version="1.0" encoding="utf-8"?>
+<file path=ppt/slides/slide6.xml><?xml version="1.0" encoding="utf-8"?>
 <p:sld xmlns:a="http://schemas.openxmlformats.org/drawingml/2006/main" xmlns:r="http://schemas.openxmlformats.org/officeDocument/2006/relationships" xmlns:p="http://schemas.openxmlformats.org/presentationml/2006/main">
   <p:cSld>
     <p:bg>
@@ -4382,10 +4952,85 @@
   <p:clrMapOvr>
     <a:masterClrMapping/>
   </p:clrMapOvr>
+  <p:timing>
+    <p:tnLst>
+      <p:par>
+        <p:cTn id="1" dur="indefinite" restart="never" nodeType="tmRoot">
+          <p:childTnLst>
+            <p:seq concurrent="1" nextAc="seek">
+              <p:cTn id="2" dur="indefinite" nodeType="mainSeq">
+                <p:childTnLst>
+                  <p:par>
+                    <p:cTn id="3" fill="hold">
+                      <p:stCondLst>
+                        <p:cond delay="indefinite"/>
+                      </p:stCondLst>
+                      <p:childTnLst>
+                        <p:par>
+                          <p:cTn id="4" fill="hold">
+                            <p:stCondLst>
+                              <p:cond delay="0"/>
+                            </p:stCondLst>
+                            <p:childTnLst>
+                              <p:par>
+                                <p:cTn id="5" presetID="1" presetClass="entr" presetSubtype="0" fill="hold" nodeType="clickEffect">
+                                  <p:stCondLst>
+                                    <p:cond delay="0"/>
+                                  </p:stCondLst>
+                                  <p:childTnLst>
+                                    <p:set>
+                                      <p:cBhvr>
+                                        <p:cTn id="6" dur="1" fill="hold">
+                                          <p:stCondLst>
+                                            <p:cond delay="0"/>
+                                          </p:stCondLst>
+                                        </p:cTn>
+                                        <p:tgtEl>
+                                          <p:spTgt spid="10"/>
+                                        </p:tgtEl>
+                                        <p:attrNameLst>
+                                          <p:attrName>style.visibility</p:attrName>
+                                        </p:attrNameLst>
+                                      </p:cBhvr>
+                                      <p:to>
+                                        <p:strVal val="visible"/>
+                                      </p:to>
+                                    </p:set>
+                                  </p:childTnLst>
+                                </p:cTn>
+                              </p:par>
+                            </p:childTnLst>
+                          </p:cTn>
+                        </p:par>
+                      </p:childTnLst>
+                    </p:cTn>
+                  </p:par>
+                </p:childTnLst>
+              </p:cTn>
+              <p:prevCondLst>
+                <p:cond evt="onPrev" delay="0">
+                  <p:tgtEl>
+                    <p:sldTgt/>
+                  </p:tgtEl>
+                </p:cond>
+              </p:prevCondLst>
+              <p:nextCondLst>
+                <p:cond evt="onNext" delay="0">
+                  <p:tgtEl>
+                    <p:sldTgt/>
+                  </p:tgtEl>
+                </p:cond>
+              </p:nextCondLst>
+            </p:seq>
+          </p:childTnLst>
+        </p:cTn>
+      </p:par>
+    </p:tnLst>
+  </p:timing>
 </p:sld>
 </file>
 
-<file path=ppt/slides/slide6.xml><?xml version="1.0" encoding="utf-8"?>
+<file path=ppt/slides/slide7.xml><?xml version="1.0" encoding="utf-8"?>
 <p:sld xmlns:a="http://schemas.openxmlformats.org/drawingml/2006/main" xmlns:r="http://schemas.openxmlformats.org/officeDocument/2006/relationships" xmlns:p="http://schemas.openxmlformats.org/presentationml/2006/main">
   <p:cSld>
     <p:bg>
@@ -4885,7 +5530,7 @@
 </p:sld>
 </file>
 
-<file path=ppt/slides/slide7.xml><?xml version="1.0" encoding="utf-8"?>
+<file path=ppt/slides/slide8.xml><?xml version="1.0" encoding="utf-8"?>
 <p:sld xmlns:a="http://schemas.openxmlformats.org/drawingml/2006/main" xmlns:r="http://schemas.openxmlformats.org/officeDocument/2006/relationships" xmlns:p="http://schemas.openxmlformats.org/presentationml/2006/main">
   <p:cSld>
     <p:spTree>
@@ -4988,12 +5633,15 @@
           <a:p>
             <a:r>
               <a:rPr lang="en-US" dirty="0"/>
-              <a:t>The best quality if viable? Completely undetectable</a:t>
-            </a:r>
-          </a:p>
-          <a:p>
-            <a:pPr lvl="2"/>
-            <a:endParaRPr lang="en-US" dirty="0"/>
+              <a:t>The best quality if viable? </a:t>
+            </a:r>
+          </a:p>
+          <a:p>
+            <a:pPr lvl="1"/>
+            <a:r>
+              <a:rPr lang="en-US" dirty="0"/>
+              <a:t>Completely undetectable </a:t>
+            </a:r>
           </a:p>
         </p:txBody>
       </p:sp>
@@ -5211,300 +5859,35 @@
                       </p:childTnLst>
                     </p:cTn>
                   </p:par>
-                </p:childTnLst>
-              </p:cTn>
-              <p:prevCondLst>
-                <p:cond evt="onPrev" delay="0">
-                  <p:tgtEl>
-                    <p:sldTgt/>
-                  </p:tgtEl>
-                </p:cond>
-              </p:prevCondLst>
-              <p:nextCondLst>
-                <p:cond evt="onNext" delay="0">
-                  <p:tgtEl>
-                    <p:sldTgt/>
-                  </p:tgtEl>
-                </p:cond>
-              </p:nextCondLst>
-            </p:seq>
-          </p:childTnLst>
-        </p:cTn>
-      </p:par>
-    </p:tnLst>
-  </p:timing>
-</p:sld>
-</file>
-
-<file path=ppt/slides/slide8.xml><?xml version="1.0" encoding="utf-8"?>
-<p:sld xmlns:a="http://schemas.openxmlformats.org/drawingml/2006/main" xmlns:r="http://schemas.openxmlformats.org/officeDocument/2006/relationships" xmlns:p="http://schemas.openxmlformats.org/presentationml/2006/main">
-  <p:cSld>
-    <p:spTree>
-      <p:nvGrpSpPr>
-        <p:cNvPr id="1" name=""/>
-        <p:cNvGrpSpPr/>
-        <p:nvPr/>
-      </p:nvGrpSpPr>
-      <p:grpSpPr>
-        <a:xfrm>
-          <a:off x="0" y="0"/>
-          <a:ext cx="0" cy="0"/>
-          <a:chOff x="0" y="0"/>
-          <a:chExt cx="0" cy="0"/>
-        </a:xfrm>
-      </p:grpSpPr>
-      <p:sp>
-        <p:nvSpPr>
-          <p:cNvPr id="2" name="Title 1">
-            <a:extLst>
-              <a:ext uri="{FF2B5EF4-FFF2-40B4-BE49-F238E27FC236}">
-                <a16:creationId xmlns:a16="http://schemas.microsoft.com/office/drawing/2014/main" id="{938C96A6-0769-486B-B939-E1AE1C344AED}"/>
-              </a:ext>
-            </a:extLst>
-          </p:cNvPr>
-          <p:cNvSpPr>
-            <a:spLocks noGrp="1"/>
-          </p:cNvSpPr>
-          <p:nvPr>
-            <p:ph type="title"/>
-          </p:nvPr>
-        </p:nvSpPr>
-        <p:spPr/>
-        <p:txBody>
-          <a:bodyPr/>
-          <a:lstStyle/>
-          <a:p>
-            <a:r>
-              <a:rPr lang="en-US" dirty="0"/>
-              <a:t>Lockdown browser specific</a:t>
-            </a:r>
-          </a:p>
-        </p:txBody>
-      </p:sp>
-      <p:sp>
-        <p:nvSpPr>
-          <p:cNvPr id="4" name="TextBox 3">
-            <a:extLst>
-              <a:ext uri="{FF2B5EF4-FFF2-40B4-BE49-F238E27FC236}">
-                <a16:creationId xmlns:a16="http://schemas.microsoft.com/office/drawing/2014/main" id="{C645691A-3FC9-4320-87EF-EFACF8E28A9D}"/>
-              </a:ext>
-            </a:extLst>
-          </p:cNvPr>
-          <p:cNvSpPr txBox="1"/>
-          <p:nvPr/>
-        </p:nvSpPr>
-        <p:spPr>
-          <a:xfrm>
-            <a:off x="2332139" y="2399251"/>
-            <a:ext cx="7628725" cy="1477328"/>
-          </a:xfrm>
-          <a:prstGeom prst="rect">
-            <a:avLst/>
-          </a:prstGeom>
-          <a:noFill/>
-        </p:spPr>
-        <p:txBody>
-          <a:bodyPr wrap="square" rtlCol="0">
-            <a:spAutoFit/>
-          </a:bodyPr>
-          <a:lstStyle/>
-          <a:p>
-            <a:r>
-              <a:rPr lang="en-US" dirty="0"/>
-              <a:t>What is </a:t>
-            </a:r>
-            <a:r>
-              <a:rPr lang="en-US" dirty="0" err="1"/>
-              <a:t>LockDown</a:t>
-            </a:r>
-            <a:r>
-              <a:rPr lang="en-US" dirty="0"/>
-              <a:t> Browser comprised of?</a:t>
-            </a:r>
-          </a:p>
-          <a:p>
-            <a:pPr marL="285750" indent="-285750">
-              <a:buFontTx/>
-              <a:buChar char="-"/>
-            </a:pPr>
-            <a:r>
-              <a:rPr lang="en-US" dirty="0"/>
-              <a:t>Heavily modified Chromium</a:t>
-            </a:r>
-          </a:p>
-          <a:p>
-            <a:pPr marL="285750" indent="-285750">
-              <a:buFontTx/>
-              <a:buChar char="-"/>
-            </a:pPr>
-            <a:r>
-              <a:rPr lang="en-US" dirty="0"/>
-              <a:t>Tons of WINAPI function calls to disable potential bypasses</a:t>
-            </a:r>
-          </a:p>
-          <a:p>
-            <a:pPr marL="285750" indent="-285750">
-              <a:buFontTx/>
-              <a:buChar char="-"/>
-            </a:pPr>
-            <a:r>
-              <a:rPr lang="en-US" dirty="0"/>
-              <a:t>Few of low-level hardware &amp; software hooking (what we are interested in)</a:t>
-            </a:r>
-          </a:p>
-          <a:p>
-            <a:r>
-              <a:rPr lang="en-US" dirty="0"/>
-              <a:t>	</a:t>
-            </a:r>
-          </a:p>
-        </p:txBody>
-      </p:sp>
-    </p:spTree>
-    <p:extLst>
-      <p:ext uri="{BB962C8B-B14F-4D97-AF65-F5344CB8AC3E}">
-        <p14:creationId xmlns:p14="http://schemas.microsoft.com/office/powerpoint/2010/main" val="90273235"/>
-      </p:ext>
-    </p:extLst>
-  </p:cSld>
-  <p:clrMapOvr>
-    <a:masterClrMapping/>
-  </p:clrMapOvr>
-  <p:timing>
-    <p:tnLst>
-      <p:par>
-        <p:cTn id="1" dur="indefinite" restart="never" nodeType="tmRoot">
-          <p:childTnLst>
-            <p:seq concurrent="1" nextAc="seek">
-              <p:cTn id="2" dur="indefinite" nodeType="mainSeq">
-                <p:childTnLst>
                   <p:par>
-                    <p:cTn id="3" fill="hold">
+                    <p:cTn id="19" fill="hold">
                       <p:stCondLst>
                         <p:cond delay="indefinite"/>
                       </p:stCondLst>
                       <p:childTnLst>
                         <p:par>
-                          <p:cTn id="4" fill="hold">
+                          <p:cTn id="20" fill="hold">
                             <p:stCondLst>
                               <p:cond delay="0"/>
                             </p:stCondLst>
                             <p:childTnLst>
                               <p:par>
-                                <p:cTn id="5" presetID="1" presetClass="entr" presetSubtype="0" fill="hold" nodeType="clickEffect">
+                                <p:cTn id="21" presetID="1" presetClass="entr" presetSubtype="0" fill="hold" nodeType="clickEffect">
                                   <p:stCondLst>
                                     <p:cond delay="0"/>
                                   </p:stCondLst>
                                   <p:childTnLst>
                                     <p:set>
                                       <p:cBhvr>
-                                        <p:cTn id="6" dur="1" fill="hold">
+                                        <p:cTn id="22" dur="1" fill="hold">
                                           <p:stCondLst>
                                             <p:cond delay="0"/>
                                           </p:stCondLst>
                                         </p:cTn>
                                         <p:tgtEl>
-                                          <p:spTgt spid="4">
+                                          <p:spTgt spid="3">
                                             <p:txEl>
-                                              <p:pRg st="1" end="1"/>
-                                            </p:txEl>
-                                          </p:spTgt>
-                                        </p:tgtEl>
-                                        <p:attrNameLst>
-                                          <p:attrName>style.visibility</p:attrName>
-                                        </p:attrNameLst>
-                                      </p:cBhvr>
-                                      <p:to>
-                                        <p:strVal val="visible"/>
-                                      </p:to>
-                                    </p:set>
-                                  </p:childTnLst>
-                                </p:cTn>
-                              </p:par>
-                            </p:childTnLst>
-                          </p:cTn>
-                        </p:par>
-                      </p:childTnLst>
-                    </p:cTn>
-                  </p:par>
-                  <p:par>
-                    <p:cTn id="7" fill="hold">
-                      <p:stCondLst>
-                        <p:cond delay="indefinite"/>
-                      </p:stCondLst>
-                      <p:childTnLst>
-                        <p:par>
-                          <p:cTn id="8" fill="hold">
-                            <p:stCondLst>
-                              <p:cond delay="0"/>
-                            </p:stCondLst>
-                            <p:childTnLst>
-                              <p:par>
-                                <p:cTn id="9" presetID="1" presetClass="entr" presetSubtype="0" fill="hold" nodeType="clickEffect">
-                                  <p:stCondLst>
-                                    <p:cond delay="0"/>
-                                  </p:stCondLst>
-                                  <p:childTnLst>
-                                    <p:set>
-                                      <p:cBhvr>
-                                        <p:cTn id="10" dur="1" fill="hold">
-                                          <p:stCondLst>
-                                            <p:cond delay="0"/>
-                                          </p:stCondLst>
-                                        </p:cTn>
-                                        <p:tgtEl>
-                                          <p:spTgt spid="4">
-                                            <p:txEl>
-                                              <p:pRg st="2" end="2"/>
-                                            </p:txEl>
-                                          </p:spTgt>
-                                        </p:tgtEl>
-                                        <p:attrNameLst>
-                                          <p:attrName>style.visibility</p:attrName>
-                                        </p:attrNameLst>
-                                      </p:cBhvr>
-                                      <p:to>
-                                        <p:strVal val="visible"/>
-                                      </p:to>
-                                    </p:set>
-                                  </p:childTnLst>
-                                </p:cTn>
-                              </p:par>
-                            </p:childTnLst>
-                          </p:cTn>
-                        </p:par>
-                      </p:childTnLst>
-                    </p:cTn>
-                  </p:par>
-                  <p:par>
-                    <p:cTn id="11" fill="hold">
-                      <p:stCondLst>
-                        <p:cond delay="indefinite"/>
-                      </p:stCondLst>
-                      <p:childTnLst>
-                        <p:par>
-                          <p:cTn id="12" fill="hold">
-                            <p:stCondLst>
-                              <p:cond delay="0"/>
-                            </p:stCondLst>
-                            <p:childTnLst>
-                              <p:par>
-                                <p:cTn id="13" presetID="1" presetClass="entr" presetSubtype="0" fill="hold" nodeType="clickEffect">
-                                  <p:stCondLst>
-                                    <p:cond delay="0"/>
-                                  </p:stCondLst>
-                                  <p:childTnLst>
-                                    <p:set>
-                                      <p:cBhvr>
-                                        <p:cTn id="14" dur="1" fill="hold">
-                                          <p:stCondLst>
-                                            <p:cond delay="0"/>
-                                          </p:stCondLst>
-                                        </p:cTn>
-                                        <p:tgtEl>
-                                          <p:spTgt spid="4">
-                                            <p:txEl>
-                                              <p:pRg st="3" end="3"/>
+                                              <p:pRg st="7" end="7"/>
                                             </p:txEl>
                                           </p:spTgt>
                                         </p:tgtEl>
@@ -5572,7 +5955,7 @@
           <p:cNvPr id="2" name="Title 1">
             <a:extLst>
               <a:ext uri="{FF2B5EF4-FFF2-40B4-BE49-F238E27FC236}">
-                <a16:creationId xmlns:a16="http://schemas.microsoft.com/office/drawing/2014/main" id="{D159429D-EA50-4248-B199-E5164509293E}"/>
+                <a16:creationId xmlns:a16="http://schemas.microsoft.com/office/drawing/2014/main" id="{938C96A6-0769-486B-B939-E1AE1C344AED}"/>
               </a:ext>
             </a:extLst>
           </p:cNvPr>
@@ -5590,46 +5973,17 @@
           <a:p>
             <a:r>
               <a:rPr lang="en-US" dirty="0"/>
-              <a:t>Lockdown browser imports</a:t>
-            </a:r>
-          </a:p>
-        </p:txBody>
-      </p:sp>
-      <p:pic>
-        <p:nvPicPr>
-          <p:cNvPr id="5" name="Content Placeholder 4">
+              <a:t>Lockdown browser specific</a:t>
+            </a:r>
+          </a:p>
+        </p:txBody>
+      </p:sp>
+      <p:sp>
+        <p:nvSpPr>
+          <p:cNvPr id="4" name="TextBox 3">
             <a:extLst>
               <a:ext uri="{FF2B5EF4-FFF2-40B4-BE49-F238E27FC236}">
-                <a16:creationId xmlns:a16="http://schemas.microsoft.com/office/drawing/2014/main" id="{4A2EFADB-5542-4991-BD88-FC909E466FC2}"/>
-              </a:ext>
-            </a:extLst>
-          </p:cNvPr>
-          <p:cNvPicPr>
-            <a:picLocks noGrp="1" noChangeAspect="1"/>
-          </p:cNvPicPr>
-          <p:nvPr>
-            <p:ph idx="1"/>
-          </p:nvPr>
-        </p:nvPicPr>
-        <p:blipFill>
-          <a:blip r:embed="rId2"/>
-          <a:stretch>
-            <a:fillRect/>
-          </a:stretch>
-        </p:blipFill>
-        <p:spPr>
-          <a:xfrm>
-            <a:off x="3287960" y="2570989"/>
-            <a:ext cx="5448300" cy="2133600"/>
-          </a:xfrm>
-        </p:spPr>
-      </p:pic>
-      <p:sp>
-        <p:nvSpPr>
-          <p:cNvPr id="6" name="TextBox 5">
-            <a:extLst>
-              <a:ext uri="{FF2B5EF4-FFF2-40B4-BE49-F238E27FC236}">
-                <a16:creationId xmlns:a16="http://schemas.microsoft.com/office/drawing/2014/main" id="{1AA8B444-C2EA-497C-9C30-8C0494051DE6}"/>
+                <a16:creationId xmlns:a16="http://schemas.microsoft.com/office/drawing/2014/main" id="{C645691A-3FC9-4320-87EF-EFACF8E28A9D}"/>
               </a:ext>
             </a:extLst>
           </p:cNvPr>
@@ -5638,8 +5992,8 @@
         </p:nvSpPr>
         <p:spPr>
           <a:xfrm>
-            <a:off x="3287961" y="4915949"/>
-            <a:ext cx="5448300" cy="369332"/>
+            <a:off x="2332139" y="2399251"/>
+            <a:ext cx="7628725" cy="3139321"/>
           </a:xfrm>
           <a:prstGeom prst="rect">
             <a:avLst/>
@@ -5652,22 +6006,88 @@
           </a:bodyPr>
           <a:lstStyle/>
           <a:p>
-            <a:pPr algn="ctr"/>
+            <a:r>
+              <a:rPr lang="en-US" dirty="0"/>
+              <a:t>What is </a:t>
+            </a:r>
             <a:r>
               <a:rPr lang="en-US" dirty="0" err="1"/>
-              <a:t>OwO</a:t>
+              <a:t>LockDown</a:t>
             </a:r>
             <a:r>
               <a:rPr lang="en-US" dirty="0"/>
-              <a:t> </a:t>
-            </a:r>
-            <a:r>
-              <a:rPr lang="en-US" dirty="0" err="1"/>
-              <a:t>whats</a:t>
-            </a:r>
+              <a:t> Browser comprised of?</a:t>
+            </a:r>
+          </a:p>
+          <a:p>
+            <a:pPr marL="285750" indent="-285750">
+              <a:buFontTx/>
+              <a:buChar char="-"/>
+            </a:pPr>
+            <a:endParaRPr lang="en-US" dirty="0"/>
+          </a:p>
+          <a:p>
+            <a:pPr marL="285750" indent="-285750">
+              <a:buFontTx/>
+              <a:buChar char="-"/>
+            </a:pPr>
             <a:r>
               <a:rPr lang="en-US" dirty="0"/>
-              <a:t> this?</a:t>
+              <a:t>Heavily modified Chromium</a:t>
+            </a:r>
+          </a:p>
+          <a:p>
+            <a:pPr marL="285750" indent="-285750">
+              <a:buFontTx/>
+              <a:buChar char="-"/>
+            </a:pPr>
+            <a:endParaRPr lang="en-US" dirty="0"/>
+          </a:p>
+          <a:p>
+            <a:pPr marL="285750" indent="-285750">
+              <a:buFontTx/>
+              <a:buChar char="-"/>
+            </a:pPr>
+            <a:endParaRPr lang="en-US" dirty="0"/>
+          </a:p>
+          <a:p>
+            <a:pPr marL="285750" indent="-285750">
+              <a:buFontTx/>
+              <a:buChar char="-"/>
+            </a:pPr>
+            <a:r>
+              <a:rPr lang="en-US" dirty="0"/>
+              <a:t>Tons of WINAPI function calls to disable potential bypasses (Task Manager, CMD, changing user level, etc.)</a:t>
+            </a:r>
+          </a:p>
+          <a:p>
+            <a:pPr marL="285750" indent="-285750">
+              <a:buFontTx/>
+              <a:buChar char="-"/>
+            </a:pPr>
+            <a:endParaRPr lang="en-US" dirty="0"/>
+          </a:p>
+          <a:p>
+            <a:pPr marL="285750" indent="-285750">
+              <a:buFontTx/>
+              <a:buChar char="-"/>
+            </a:pPr>
+            <a:endParaRPr lang="en-US" dirty="0"/>
+          </a:p>
+          <a:p>
+            <a:pPr marL="285750" indent="-285750">
+              <a:buFontTx/>
+              <a:buChar char="-"/>
+            </a:pPr>
+            <a:r>
+              <a:rPr lang="en-US" dirty="0"/>
+              <a:t>Few of low-level hardware &amp; software hooking (what we are interested in)</a:t>
+            </a:r>
+          </a:p>
+          <a:p>
+            <a:r>
+              <a:rPr lang="en-US" dirty="0"/>
+              <a:t>	</a:t>
             </a:r>
           </a:p>
         </p:txBody>
@@ -5675,7 +6095,7 @@
     </p:spTree>
     <p:extLst>
       <p:ext uri="{BB962C8B-B14F-4D97-AF65-F5344CB8AC3E}">
-        <p14:creationId xmlns:p14="http://schemas.microsoft.com/office/powerpoint/2010/main" val="3055317698"/>
+        <p14:creationId xmlns:p14="http://schemas.microsoft.com/office/powerpoint/2010/main" val="90273235"/>
       </p:ext>
     </p:extLst>
   </p:cSld>
@@ -5716,7 +6136,11 @@
                                           </p:stCondLst>
                                         </p:cTn>
                                         <p:tgtEl>
-                                          <p:spTgt spid="5"/>
+                                          <p:spTgt spid="4">
+                                            <p:txEl>
+                                              <p:pRg st="2" end="2"/>
+                                            </p:txEl>
+                                          </p:spTgt>
                                         </p:tgtEl>
                                         <p:attrNameLst>
                                           <p:attrName>style.visibility</p:attrName>
@@ -5748,7 +6172,7 @@
                             </p:stCondLst>
                             <p:childTnLst>
                               <p:par>
-                                <p:cTn id="9" presetID="1" presetClass="entr" presetSubtype="0" fill="hold" grpId="0" nodeType="clickEffect">
+                                <p:cTn id="9" presetID="1" presetClass="entr" presetSubtype="0" fill="hold" nodeType="clickEffect">
                                   <p:stCondLst>
                                     <p:cond delay="0"/>
                                   </p:stCondLst>
@@ -5761,7 +6185,60 @@
                                           </p:stCondLst>
                                         </p:cTn>
                                         <p:tgtEl>
-                                          <p:spTgt spid="6"/>
+                                          <p:spTgt spid="4">
+                                            <p:txEl>
+                                              <p:pRg st="5" end="5"/>
+                                            </p:txEl>
+                                          </p:spTgt>
+                                        </p:tgtEl>
+                                        <p:attrNameLst>
+                                          <p:attrName>style.visibility</p:attrName>
+                                        </p:attrNameLst>
+                                      </p:cBhvr>
+                                      <p:to>
+                                        <p:strVal val="visible"/>
+                                      </p:to>
+                                    </p:set>
+                                  </p:childTnLst>
+                                </p:cTn>
+                              </p:par>
+                            </p:childTnLst>
+                          </p:cTn>
+                        </p:par>
+                      </p:childTnLst>
+                    </p:cTn>
+                  </p:par>
+                  <p:par>
+                    <p:cTn id="11" fill="hold">
+                      <p:stCondLst>
+                        <p:cond delay="indefinite"/>
+                      </p:stCondLst>
+                      <p:childTnLst>
+                        <p:par>
+                          <p:cTn id="12" fill="hold">
+                            <p:stCondLst>
+                              <p:cond delay="0"/>
+                            </p:stCondLst>
+                            <p:childTnLst>
+                              <p:par>
+                                <p:cTn id="13" presetID="1" presetClass="entr" presetSubtype="0" fill="hold" nodeType="clickEffect">
+                                  <p:stCondLst>
+                                    <p:cond delay="0"/>
+                                  </p:stCondLst>
+                                  <p:childTnLst>
+                                    <p:set>
+                                      <p:cBhvr>
+                                        <p:cTn id="14" dur="1" fill="hold">
+                                          <p:stCondLst>
+                                            <p:cond delay="0"/>
+                                          </p:stCondLst>
+                                        </p:cTn>
+                                        <p:tgtEl>
+                                          <p:spTgt spid="4">
+                                            <p:txEl>
+                                              <p:pRg st="8" end="8"/>
+                                            </p:txEl>
+                                          </p:spTgt>
                                         </p:tgtEl>
                                         <p:attrNameLst>
                                           <p:attrName>style.visibility</p:attrName>
@@ -5801,9 +6278,6 @@
         </p:cTn>
       </p:par>
     </p:tnLst>
-    <p:bldLst>
-      <p:bldP spid="6" grpId="0"/>
-    </p:bldLst>
   </p:timing>
 </p:sld>
 </file>

--- a/NWMSU_CyberSecurity_Presentation.pptx
+++ b/NWMSU_CyberSecurity_Presentation.pptx
@@ -15,6 +15,8 @@
     <p:sldId id="262" r:id="rId9"/>
     <p:sldId id="263" r:id="rId10"/>
     <p:sldId id="264" r:id="rId11"/>
+    <p:sldId id="266" r:id="rId12"/>
+    <p:sldId id="267" r:id="rId13"/>
   </p:sldIdLst>
   <p:sldSz cx="12192000" cy="6858000"/>
   <p:notesSz cx="6858000" cy="9144000"/>
@@ -121,6 +123,32 @@
 </p:presentation>
 </file>
 
+<file path=ppt/commentAuthors.xml><?xml version="1.0" encoding="utf-8"?>
+<p:cmAuthorLst xmlns:a="http://schemas.openxmlformats.org/drawingml/2006/main" xmlns:r="http://schemas.openxmlformats.org/officeDocument/2006/relationships" xmlns:p="http://schemas.openxmlformats.org/presentationml/2006/main">
+  <p:cmAuthor id="1" name="Abbas, Rasool (UMKC-Student)" initials="AR(S" lastIdx="1" clrIdx="0">
+    <p:extLst>
+      <p:ext uri="{19B8F6BF-5375-455C-9EA6-DF929625EA0E}">
+        <p15:presenceInfo xmlns:p15="http://schemas.microsoft.com/office/powerpoint/2012/main" userId="S::raac5x@umsystem.edu::e48d8f69-599f-4fa4-bcfe-af86b87702fc" providerId="AD"/>
+      </p:ext>
+    </p:extLst>
+  </p:cmAuthor>
+</p:cmAuthorLst>
+</file>
+
+<file path=ppt/comments/comment1.xml><?xml version="1.0" encoding="utf-8"?>
+<p:cmLst xmlns:a="http://schemas.openxmlformats.org/drawingml/2006/main" xmlns:r="http://schemas.openxmlformats.org/officeDocument/2006/relationships" xmlns:p="http://schemas.openxmlformats.org/presentationml/2006/main">
+  <p:cm authorId="1" dt="2021-04-20T17:08:44.735" idx="1">
+    <p:pos x="10" y="10"/>
+    <p:text/>
+    <p:extLst>
+      <p:ext uri="{C676402C-5697-4E1C-873F-D02D1690AC5C}">
+        <p15:threadingInfo xmlns:p15="http://schemas.microsoft.com/office/powerpoint/2012/main" timeZoneBias="300"/>
+      </p:ext>
+    </p:extLst>
+  </p:cm>
+</p:cmLst>
+</file>
+
 <file path=ppt/slideLayouts/slideLayout1.xml><?xml version="1.0" encoding="utf-8"?>
 <p:sldLayout xmlns:a="http://schemas.openxmlformats.org/drawingml/2006/main" xmlns:r="http://schemas.openxmlformats.org/officeDocument/2006/relationships" xmlns:p="http://schemas.openxmlformats.org/presentationml/2006/main" type="title" preserve="1">
   <p:cSld name="Title Slide">
@@ -284,7 +312,7 @@
           <a:p>
             <a:fld id="{1160EA64-D806-43AC-9DF2-F8C432F32B4C}" type="datetimeFigureOut">
               <a:rPr lang="en-US" dirty="0"/>
-              <a:t>4/18/21</a:t>
+              <a:t>4/20/21</a:t>
             </a:fld>
             <a:endParaRPr lang="en-US" dirty="0"/>
           </a:p>
@@ -450,7 +478,7 @@
           <a:p>
             <a:fld id="{E9F9C37B-1D36-470B-8223-D6C91242EC14}" type="datetimeFigureOut">
               <a:rPr lang="en-US" dirty="0"/>
-              <a:t>4/18/21</a:t>
+              <a:t>4/20/21</a:t>
             </a:fld>
             <a:endParaRPr lang="en-US" dirty="0"/>
           </a:p>
@@ -625,7 +653,7 @@
           <a:p>
             <a:fld id="{67C6F52A-A82B-47A2-A83A-8C4C91F2D59F}" type="datetimeFigureOut">
               <a:rPr lang="en-US" dirty="0"/>
-              <a:t>4/18/21</a:t>
+              <a:t>4/20/21</a:t>
             </a:fld>
             <a:endParaRPr lang="en-US" dirty="0"/>
           </a:p>
@@ -790,7 +818,7 @@
           <a:p>
             <a:fld id="{F070A7B3-6521-4DCA-87E5-044747A908C1}" type="datetimeFigureOut">
               <a:rPr lang="en-US" dirty="0"/>
-              <a:t>4/18/21</a:t>
+              <a:t>4/20/21</a:t>
             </a:fld>
             <a:endParaRPr lang="en-US" dirty="0"/>
           </a:p>
@@ -1054,7 +1082,7 @@
           <a:p>
             <a:fld id="{1160EA64-D806-43AC-9DF2-F8C432F32B4C}" type="datetimeFigureOut">
               <a:rPr lang="en-US" dirty="0"/>
-              <a:t>4/18/21</a:t>
+              <a:t>4/20/21</a:t>
             </a:fld>
             <a:endParaRPr lang="en-US" dirty="0"/>
           </a:p>
@@ -1282,7 +1310,7 @@
           <a:p>
             <a:fld id="{AB134690-1557-4C89-A502-4959FE7FAD70}" type="datetimeFigureOut">
               <a:rPr lang="en-US" dirty="0"/>
-              <a:t>4/18/21</a:t>
+              <a:t>4/20/21</a:t>
             </a:fld>
             <a:endParaRPr lang="en-US" dirty="0"/>
           </a:p>
@@ -1636,7 +1664,7 @@
           <a:p>
             <a:fld id="{4F7D4976-E339-4826-83B7-FBD03F55ECF8}" type="datetimeFigureOut">
               <a:rPr lang="en-US" dirty="0"/>
-              <a:t>4/18/21</a:t>
+              <a:t>4/20/21</a:t>
             </a:fld>
             <a:endParaRPr lang="en-US" dirty="0"/>
           </a:p>
@@ -1772,7 +1800,7 @@
           <a:p>
             <a:fld id="{E1037C31-9E7A-4F99-8774-A0E530DE1A42}" type="datetimeFigureOut">
               <a:rPr lang="en-US" dirty="0"/>
-              <a:t>4/18/21</a:t>
+              <a:t>4/20/21</a:t>
             </a:fld>
             <a:endParaRPr lang="en-US" dirty="0"/>
           </a:p>
@@ -1862,7 +1890,7 @@
           <a:p>
             <a:fld id="{C278504F-A551-4DE0-9316-4DCD1D8CC752}" type="datetimeFigureOut">
               <a:rPr lang="en-US" dirty="0"/>
-              <a:t>4/18/21</a:t>
+              <a:t>4/20/21</a:t>
             </a:fld>
             <a:endParaRPr lang="en-US" dirty="0"/>
           </a:p>
@@ -2214,7 +2242,7 @@
           <a:p>
             <a:fld id="{D1BE4249-C0D0-4B06-8692-E8BB871AF643}" type="datetimeFigureOut">
               <a:rPr lang="en-US" dirty="0"/>
-              <a:t>4/18/21</a:t>
+              <a:t>4/20/21</a:t>
             </a:fld>
             <a:endParaRPr lang="en-US" dirty="0"/>
           </a:p>
@@ -2566,7 +2594,7 @@
           <a:p>
             <a:fld id="{042B0DB6-F5C7-45FB-8CF3-31B45F9C2DAC}" type="datetimeFigureOut">
               <a:rPr lang="en-US" dirty="0"/>
-              <a:t>4/18/21</a:t>
+              <a:t>4/20/21</a:t>
             </a:fld>
             <a:endParaRPr lang="en-US" dirty="0"/>
           </a:p>
@@ -2803,7 +2831,7 @@
           <a:p>
             <a:fld id="{1160EA64-D806-43AC-9DF2-F8C432F32B4C}" type="datetimeFigureOut">
               <a:rPr lang="en-US" dirty="0"/>
-              <a:t>4/18/21</a:t>
+              <a:t>4/20/21</a:t>
             </a:fld>
             <a:endParaRPr lang="en-US" dirty="0"/>
           </a:p>
@@ -3579,6 +3607,772 @@
 </p:sld>
 </file>
 
+<file path=ppt/slides/slide11.xml><?xml version="1.0" encoding="utf-8"?>
+<p:sld xmlns:a="http://schemas.openxmlformats.org/drawingml/2006/main" xmlns:r="http://schemas.openxmlformats.org/officeDocument/2006/relationships" xmlns:p="http://schemas.openxmlformats.org/presentationml/2006/main">
+  <p:cSld>
+    <p:bg>
+      <p:bgPr>
+        <a:solidFill>
+          <a:schemeClr val="bg1">
+            <a:lumMod val="95000"/>
+          </a:schemeClr>
+        </a:solidFill>
+        <a:effectLst/>
+      </p:bgPr>
+    </p:bg>
+    <p:spTree>
+      <p:nvGrpSpPr>
+        <p:cNvPr id="1" name=""/>
+        <p:cNvGrpSpPr/>
+        <p:nvPr/>
+      </p:nvGrpSpPr>
+      <p:grpSpPr>
+        <a:xfrm>
+          <a:off x="0" y="0"/>
+          <a:ext cx="0" cy="0"/>
+          <a:chOff x="0" y="0"/>
+          <a:chExt cx="0" cy="0"/>
+        </a:xfrm>
+      </p:grpSpPr>
+      <p:sp>
+        <p:nvSpPr>
+          <p:cNvPr id="10" name="Rectangle 9">
+            <a:extLst>
+              <a:ext uri="{FF2B5EF4-FFF2-40B4-BE49-F238E27FC236}">
+                <a16:creationId xmlns:a16="http://schemas.microsoft.com/office/drawing/2014/main" id="{7AD7C5BE-418C-4A44-91BF-28E411F75BCA}"/>
+              </a:ext>
+              <a:ext uri="{C183D7F6-B498-43B3-948B-1728B52AA6E4}">
+                <adec:decorative xmlns:adec="http://schemas.microsoft.com/office/drawing/2017/decorative" val="1"/>
+              </a:ext>
+            </a:extLst>
+          </p:cNvPr>
+          <p:cNvSpPr>
+            <a:spLocks noGrp="1" noRot="1" noChangeAspect="1" noMove="1" noResize="1" noEditPoints="1" noAdjustHandles="1" noChangeArrowheads="1" noChangeShapeType="1" noTextEdit="1"/>
+          </p:cNvSpPr>
+          <p:nvPr>
+            <p:extLst>
+              <p:ext uri="{386F3935-93C4-4BCD-93E2-E3B085C9AB24}">
+                <p16:designElem xmlns:p16="http://schemas.microsoft.com/office/powerpoint/2015/main" val="1"/>
+              </p:ext>
+            </p:extLst>
+          </p:nvPr>
+        </p:nvSpPr>
+        <p:spPr>
+          <a:xfrm>
+            <a:off x="960120" y="1559052"/>
+            <a:ext cx="10271760" cy="4347972"/>
+          </a:xfrm>
+          <a:prstGeom prst="rect">
+            <a:avLst/>
+          </a:prstGeom>
+          <a:solidFill>
+            <a:srgbClr val="FFFFFF"/>
+          </a:solidFill>
+          <a:ln w="31750">
+            <a:solidFill>
+              <a:srgbClr val="404040"/>
+            </a:solidFill>
+          </a:ln>
+        </p:spPr>
+        <p:style>
+          <a:lnRef idx="2">
+            <a:schemeClr val="accent1">
+              <a:shade val="50000"/>
+            </a:schemeClr>
+          </a:lnRef>
+          <a:fillRef idx="1">
+            <a:schemeClr val="accent1"/>
+          </a:fillRef>
+          <a:effectRef idx="0">
+            <a:schemeClr val="accent1"/>
+          </a:effectRef>
+          <a:fontRef idx="minor">
+            <a:schemeClr val="lt1"/>
+          </a:fontRef>
+        </p:style>
+        <p:txBody>
+          <a:bodyPr rtlCol="0" anchor="ctr"/>
+          <a:lstStyle/>
+          <a:p>
+            <a:pPr algn="ctr"/>
+            <a:endParaRPr lang="en-US"/>
+          </a:p>
+        </p:txBody>
+      </p:sp>
+      <p:sp>
+        <p:nvSpPr>
+          <p:cNvPr id="2" name="Title 1">
+            <a:extLst>
+              <a:ext uri="{FF2B5EF4-FFF2-40B4-BE49-F238E27FC236}">
+                <a16:creationId xmlns:a16="http://schemas.microsoft.com/office/drawing/2014/main" id="{4209225E-5ED4-864C-A646-77BF458C012E}"/>
+              </a:ext>
+            </a:extLst>
+          </p:cNvPr>
+          <p:cNvSpPr>
+            <a:spLocks noGrp="1"/>
+          </p:cNvSpPr>
+          <p:nvPr>
+            <p:ph type="title"/>
+          </p:nvPr>
+        </p:nvSpPr>
+        <p:spPr>
+          <a:xfrm>
+            <a:off x="2231136" y="964692"/>
+            <a:ext cx="7729728" cy="1188720"/>
+          </a:xfrm>
+          <a:ln>
+            <a:solidFill>
+              <a:srgbClr val="404040"/>
+            </a:solidFill>
+          </a:ln>
+        </p:spPr>
+        <p:txBody>
+          <a:bodyPr vert="horz" lIns="182880" tIns="182880" rIns="182880" bIns="182880" rtlCol="0" anchor="ctr">
+            <a:normAutofit/>
+          </a:bodyPr>
+          <a:lstStyle/>
+          <a:p>
+            <a:r>
+              <a:rPr lang="en-US" dirty="0"/>
+              <a:t>Strange function names?</a:t>
+            </a:r>
+          </a:p>
+        </p:txBody>
+      </p:sp>
+      <p:pic>
+        <p:nvPicPr>
+          <p:cNvPr id="5" name="Picture 4" descr="Text&#10;&#10;Description automatically generated">
+            <a:extLst>
+              <a:ext uri="{FF2B5EF4-FFF2-40B4-BE49-F238E27FC236}">
+                <a16:creationId xmlns:a16="http://schemas.microsoft.com/office/drawing/2014/main" id="{C0A300C1-D7A5-7B4D-909C-D0959B9EB4E1}"/>
+              </a:ext>
+            </a:extLst>
+          </p:cNvPr>
+          <p:cNvPicPr>
+            <a:picLocks noChangeAspect="1"/>
+          </p:cNvPicPr>
+          <p:nvPr/>
+        </p:nvPicPr>
+        <p:blipFill>
+          <a:blip r:embed="rId2"/>
+          <a:stretch>
+            <a:fillRect/>
+          </a:stretch>
+        </p:blipFill>
+        <p:spPr>
+          <a:xfrm>
+            <a:off x="1444752" y="3354143"/>
+            <a:ext cx="9314170" cy="1187557"/>
+          </a:xfrm>
+          <a:prstGeom prst="rect">
+            <a:avLst/>
+          </a:prstGeom>
+        </p:spPr>
+      </p:pic>
+      <p:sp>
+        <p:nvSpPr>
+          <p:cNvPr id="6" name="TextBox 5">
+            <a:extLst>
+              <a:ext uri="{FF2B5EF4-FFF2-40B4-BE49-F238E27FC236}">
+                <a16:creationId xmlns:a16="http://schemas.microsoft.com/office/drawing/2014/main" id="{6F36B8A2-4618-9A40-8E5F-02FE7D8A44FE}"/>
+              </a:ext>
+            </a:extLst>
+          </p:cNvPr>
+          <p:cNvSpPr txBox="1"/>
+          <p:nvPr/>
+        </p:nvSpPr>
+        <p:spPr>
+          <a:xfrm>
+            <a:off x="9105276" y="2872297"/>
+            <a:ext cx="1711175" cy="369332"/>
+          </a:xfrm>
+          <a:prstGeom prst="rect">
+            <a:avLst/>
+          </a:prstGeom>
+          <a:noFill/>
+        </p:spPr>
+        <p:txBody>
+          <a:bodyPr wrap="square" rtlCol="0">
+            <a:spAutoFit/>
+          </a:bodyPr>
+          <a:lstStyle/>
+          <a:p>
+            <a:r>
+              <a:rPr lang="en-US" dirty="0"/>
+              <a:t>Module Name</a:t>
+            </a:r>
+          </a:p>
+        </p:txBody>
+      </p:sp>
+      <p:sp>
+        <p:nvSpPr>
+          <p:cNvPr id="7" name="Rectangle 6">
+            <a:extLst>
+              <a:ext uri="{FF2B5EF4-FFF2-40B4-BE49-F238E27FC236}">
+                <a16:creationId xmlns:a16="http://schemas.microsoft.com/office/drawing/2014/main" id="{650E10A5-1000-7B42-9DEF-C429D73AB485}"/>
+              </a:ext>
+            </a:extLst>
+          </p:cNvPr>
+          <p:cNvSpPr/>
+          <p:nvPr/>
+        </p:nvSpPr>
+        <p:spPr>
+          <a:xfrm>
+            <a:off x="4223823" y="2872297"/>
+            <a:ext cx="1617751" cy="369332"/>
+          </a:xfrm>
+          <a:prstGeom prst="rect">
+            <a:avLst/>
+          </a:prstGeom>
+        </p:spPr>
+        <p:txBody>
+          <a:bodyPr wrap="none">
+            <a:spAutoFit/>
+          </a:bodyPr>
+          <a:lstStyle/>
+          <a:p>
+            <a:r>
+              <a:rPr lang="en-US" dirty="0">
+                <a:latin typeface="Calibri" panose="020F0502020204030204" pitchFamily="34" charset="0"/>
+                <a:ea typeface="Calibri" panose="020F0502020204030204" pitchFamily="34" charset="0"/>
+              </a:rPr>
+              <a:t>Function Name</a:t>
+            </a:r>
+            <a:endParaRPr lang="en-US" dirty="0"/>
+          </a:p>
+        </p:txBody>
+      </p:sp>
+      <p:sp>
+        <p:nvSpPr>
+          <p:cNvPr id="8" name="Rectangle 7">
+            <a:extLst>
+              <a:ext uri="{FF2B5EF4-FFF2-40B4-BE49-F238E27FC236}">
+                <a16:creationId xmlns:a16="http://schemas.microsoft.com/office/drawing/2014/main" id="{81290199-5C1C-CC44-9C07-67001E6C4663}"/>
+              </a:ext>
+            </a:extLst>
+          </p:cNvPr>
+          <p:cNvSpPr/>
+          <p:nvPr/>
+        </p:nvSpPr>
+        <p:spPr>
+          <a:xfrm>
+            <a:off x="1375549" y="2870212"/>
+            <a:ext cx="1791163" cy="369332"/>
+          </a:xfrm>
+          <a:prstGeom prst="rect">
+            <a:avLst/>
+          </a:prstGeom>
+        </p:spPr>
+        <p:txBody>
+          <a:bodyPr wrap="square">
+            <a:spAutoFit/>
+          </a:bodyPr>
+          <a:lstStyle/>
+          <a:p>
+            <a:r>
+              <a:rPr lang="en-US" dirty="0">
+                <a:latin typeface="Calibri" panose="020F0502020204030204" pitchFamily="34" charset="0"/>
+                <a:ea typeface="Calibri" panose="020F0502020204030204" pitchFamily="34" charset="0"/>
+              </a:rPr>
+              <a:t>Address*</a:t>
+            </a:r>
+            <a:endParaRPr lang="en-US" dirty="0"/>
+          </a:p>
+        </p:txBody>
+      </p:sp>
+    </p:spTree>
+    <p:extLst>
+      <p:ext uri="{BB962C8B-B14F-4D97-AF65-F5344CB8AC3E}">
+        <p14:creationId xmlns:p14="http://schemas.microsoft.com/office/powerpoint/2010/main" val="3362498758"/>
+      </p:ext>
+    </p:extLst>
+  </p:cSld>
+  <p:clrMapOvr>
+    <a:masterClrMapping/>
+  </p:clrMapOvr>
+  <p:timing>
+    <p:tnLst>
+      <p:par>
+        <p:cTn id="1" dur="indefinite" restart="never" nodeType="tmRoot">
+          <p:childTnLst>
+            <p:seq concurrent="1" nextAc="seek">
+              <p:cTn id="2" dur="indefinite" nodeType="mainSeq">
+                <p:childTnLst>
+                  <p:par>
+                    <p:cTn id="3" fill="hold">
+                      <p:stCondLst>
+                        <p:cond delay="indefinite"/>
+                      </p:stCondLst>
+                      <p:childTnLst>
+                        <p:par>
+                          <p:cTn id="4" fill="hold">
+                            <p:stCondLst>
+                              <p:cond delay="0"/>
+                            </p:stCondLst>
+                            <p:childTnLst>
+                              <p:par>
+                                <p:cTn id="5" presetID="1" presetClass="entr" presetSubtype="0" fill="hold" nodeType="clickEffect">
+                                  <p:stCondLst>
+                                    <p:cond delay="0"/>
+                                  </p:stCondLst>
+                                  <p:childTnLst>
+                                    <p:set>
+                                      <p:cBhvr>
+                                        <p:cTn id="6" dur="1" fill="hold">
+                                          <p:stCondLst>
+                                            <p:cond delay="0"/>
+                                          </p:stCondLst>
+                                        </p:cTn>
+                                        <p:tgtEl>
+                                          <p:spTgt spid="5"/>
+                                        </p:tgtEl>
+                                        <p:attrNameLst>
+                                          <p:attrName>style.visibility</p:attrName>
+                                        </p:attrNameLst>
+                                      </p:cBhvr>
+                                      <p:to>
+                                        <p:strVal val="visible"/>
+                                      </p:to>
+                                    </p:set>
+                                  </p:childTnLst>
+                                </p:cTn>
+                              </p:par>
+                            </p:childTnLst>
+                          </p:cTn>
+                        </p:par>
+                      </p:childTnLst>
+                    </p:cTn>
+                  </p:par>
+                  <p:par>
+                    <p:cTn id="7" fill="hold">
+                      <p:stCondLst>
+                        <p:cond delay="indefinite"/>
+                      </p:stCondLst>
+                      <p:childTnLst>
+                        <p:par>
+                          <p:cTn id="8" fill="hold">
+                            <p:stCondLst>
+                              <p:cond delay="0"/>
+                            </p:stCondLst>
+                            <p:childTnLst>
+                              <p:par>
+                                <p:cTn id="9" presetID="1" presetClass="entr" presetSubtype="0" fill="hold" grpId="0" nodeType="clickEffect">
+                                  <p:stCondLst>
+                                    <p:cond delay="0"/>
+                                  </p:stCondLst>
+                                  <p:childTnLst>
+                                    <p:set>
+                                      <p:cBhvr>
+                                        <p:cTn id="10" dur="1" fill="hold">
+                                          <p:stCondLst>
+                                            <p:cond delay="0"/>
+                                          </p:stCondLst>
+                                        </p:cTn>
+                                        <p:tgtEl>
+                                          <p:spTgt spid="6"/>
+                                        </p:tgtEl>
+                                        <p:attrNameLst>
+                                          <p:attrName>style.visibility</p:attrName>
+                                        </p:attrNameLst>
+                                      </p:cBhvr>
+                                      <p:to>
+                                        <p:strVal val="visible"/>
+                                      </p:to>
+                                    </p:set>
+                                  </p:childTnLst>
+                                </p:cTn>
+                              </p:par>
+                            </p:childTnLst>
+                          </p:cTn>
+                        </p:par>
+                      </p:childTnLst>
+                    </p:cTn>
+                  </p:par>
+                  <p:par>
+                    <p:cTn id="11" fill="hold">
+                      <p:stCondLst>
+                        <p:cond delay="indefinite"/>
+                      </p:stCondLst>
+                      <p:childTnLst>
+                        <p:par>
+                          <p:cTn id="12" fill="hold">
+                            <p:stCondLst>
+                              <p:cond delay="0"/>
+                            </p:stCondLst>
+                            <p:childTnLst>
+                              <p:par>
+                                <p:cTn id="13" presetID="1" presetClass="entr" presetSubtype="0" fill="hold" grpId="0" nodeType="clickEffect">
+                                  <p:stCondLst>
+                                    <p:cond delay="0"/>
+                                  </p:stCondLst>
+                                  <p:childTnLst>
+                                    <p:set>
+                                      <p:cBhvr>
+                                        <p:cTn id="14" dur="1" fill="hold">
+                                          <p:stCondLst>
+                                            <p:cond delay="0"/>
+                                          </p:stCondLst>
+                                        </p:cTn>
+                                        <p:tgtEl>
+                                          <p:spTgt spid="7"/>
+                                        </p:tgtEl>
+                                        <p:attrNameLst>
+                                          <p:attrName>style.visibility</p:attrName>
+                                        </p:attrNameLst>
+                                      </p:cBhvr>
+                                      <p:to>
+                                        <p:strVal val="visible"/>
+                                      </p:to>
+                                    </p:set>
+                                  </p:childTnLst>
+                                </p:cTn>
+                              </p:par>
+                            </p:childTnLst>
+                          </p:cTn>
+                        </p:par>
+                      </p:childTnLst>
+                    </p:cTn>
+                  </p:par>
+                  <p:par>
+                    <p:cTn id="15" fill="hold">
+                      <p:stCondLst>
+                        <p:cond delay="indefinite"/>
+                      </p:stCondLst>
+                      <p:childTnLst>
+                        <p:par>
+                          <p:cTn id="16" fill="hold">
+                            <p:stCondLst>
+                              <p:cond delay="0"/>
+                            </p:stCondLst>
+                            <p:childTnLst>
+                              <p:par>
+                                <p:cTn id="17" presetID="1" presetClass="entr" presetSubtype="0" fill="hold" grpId="0" nodeType="clickEffect">
+                                  <p:stCondLst>
+                                    <p:cond delay="0"/>
+                                  </p:stCondLst>
+                                  <p:childTnLst>
+                                    <p:set>
+                                      <p:cBhvr>
+                                        <p:cTn id="18" dur="1" fill="hold">
+                                          <p:stCondLst>
+                                            <p:cond delay="0"/>
+                                          </p:stCondLst>
+                                        </p:cTn>
+                                        <p:tgtEl>
+                                          <p:spTgt spid="8"/>
+                                        </p:tgtEl>
+                                        <p:attrNameLst>
+                                          <p:attrName>style.visibility</p:attrName>
+                                        </p:attrNameLst>
+                                      </p:cBhvr>
+                                      <p:to>
+                                        <p:strVal val="visible"/>
+                                      </p:to>
+                                    </p:set>
+                                  </p:childTnLst>
+                                </p:cTn>
+                              </p:par>
+                            </p:childTnLst>
+                          </p:cTn>
+                        </p:par>
+                      </p:childTnLst>
+                    </p:cTn>
+                  </p:par>
+                </p:childTnLst>
+              </p:cTn>
+              <p:prevCondLst>
+                <p:cond evt="onPrev" delay="0">
+                  <p:tgtEl>
+                    <p:sldTgt/>
+                  </p:tgtEl>
+                </p:cond>
+              </p:prevCondLst>
+              <p:nextCondLst>
+                <p:cond evt="onNext" delay="0">
+                  <p:tgtEl>
+                    <p:sldTgt/>
+                  </p:tgtEl>
+                </p:cond>
+              </p:nextCondLst>
+            </p:seq>
+          </p:childTnLst>
+        </p:cTn>
+      </p:par>
+    </p:tnLst>
+    <p:bldLst>
+      <p:bldP spid="6" grpId="0"/>
+      <p:bldP spid="7" grpId="0"/>
+      <p:bldP spid="8" grpId="0"/>
+    </p:bldLst>
+  </p:timing>
+</p:sld>
+</file>
+
+<file path=ppt/slides/slide12.xml><?xml version="1.0" encoding="utf-8"?>
+<p:sld xmlns:a="http://schemas.openxmlformats.org/drawingml/2006/main" xmlns:r="http://schemas.openxmlformats.org/officeDocument/2006/relationships" xmlns:p="http://schemas.openxmlformats.org/presentationml/2006/main">
+  <p:cSld>
+    <p:spTree>
+      <p:nvGrpSpPr>
+        <p:cNvPr id="1" name=""/>
+        <p:cNvGrpSpPr/>
+        <p:nvPr/>
+      </p:nvGrpSpPr>
+      <p:grpSpPr>
+        <a:xfrm>
+          <a:off x="0" y="0"/>
+          <a:ext cx="0" cy="0"/>
+          <a:chOff x="0" y="0"/>
+          <a:chExt cx="0" cy="0"/>
+        </a:xfrm>
+      </p:grpSpPr>
+      <p:sp>
+        <p:nvSpPr>
+          <p:cNvPr id="2" name="Title 1">
+            <a:extLst>
+              <a:ext uri="{FF2B5EF4-FFF2-40B4-BE49-F238E27FC236}">
+                <a16:creationId xmlns:a16="http://schemas.microsoft.com/office/drawing/2014/main" id="{62994CEC-FEE7-2C4C-9018-356DE8B3A9F6}"/>
+              </a:ext>
+            </a:extLst>
+          </p:cNvPr>
+          <p:cNvSpPr>
+            <a:spLocks noGrp="1"/>
+          </p:cNvSpPr>
+          <p:nvPr>
+            <p:ph type="title"/>
+          </p:nvPr>
+        </p:nvSpPr>
+        <p:spPr>
+          <a:xfrm>
+            <a:off x="2231136" y="365978"/>
+            <a:ext cx="7729728" cy="1188720"/>
+          </a:xfrm>
+        </p:spPr>
+        <p:txBody>
+          <a:bodyPr/>
+          <a:lstStyle/>
+          <a:p>
+            <a:r>
+              <a:rPr lang="en-US" dirty="0"/>
+              <a:t>Export &amp; Import relationship</a:t>
+            </a:r>
+          </a:p>
+        </p:txBody>
+      </p:sp>
+      <p:sp>
+        <p:nvSpPr>
+          <p:cNvPr id="3" name="Content Placeholder 2">
+            <a:extLst>
+              <a:ext uri="{FF2B5EF4-FFF2-40B4-BE49-F238E27FC236}">
+                <a16:creationId xmlns:a16="http://schemas.microsoft.com/office/drawing/2014/main" id="{ACBA44AF-6FC5-1F43-8FA2-9E4D8DA87B40}"/>
+              </a:ext>
+            </a:extLst>
+          </p:cNvPr>
+          <p:cNvSpPr>
+            <a:spLocks noGrp="1"/>
+          </p:cNvSpPr>
+          <p:nvPr>
+            <p:ph idx="1"/>
+          </p:nvPr>
+        </p:nvSpPr>
+        <p:spPr>
+          <a:xfrm>
+            <a:off x="2231136" y="1878008"/>
+            <a:ext cx="7729728" cy="3101983"/>
+          </a:xfrm>
+        </p:spPr>
+        <p:txBody>
+          <a:bodyPr/>
+          <a:lstStyle/>
+          <a:p>
+            <a:pPr marL="0" indent="0" algn="ctr">
+              <a:buNone/>
+            </a:pPr>
+            <a:r>
+              <a:rPr lang="en-US" dirty="0"/>
+              <a:t>We have seen imported functions inside </a:t>
+            </a:r>
+            <a:r>
+              <a:rPr lang="en-US" dirty="0" err="1"/>
+              <a:t>LockDownBrowser.exe</a:t>
+            </a:r>
+            <a:endParaRPr lang="en-US" dirty="0"/>
+          </a:p>
+          <a:p>
+            <a:pPr marL="0" indent="0" algn="ctr">
+              <a:buNone/>
+            </a:pPr>
+            <a:r>
+              <a:rPr lang="en-US" dirty="0"/>
+              <a:t>What does the exported side look like in </a:t>
+            </a:r>
+            <a:r>
+              <a:rPr lang="en-US" dirty="0" err="1"/>
+              <a:t>LockDownBrowser.dll</a:t>
+            </a:r>
+            <a:r>
+              <a:rPr lang="en-US" dirty="0"/>
+              <a:t>?</a:t>
+            </a:r>
+            <a:br>
+              <a:rPr lang="en-US" dirty="0"/>
+            </a:br>
+            <a:br>
+              <a:rPr lang="en-US" dirty="0"/>
+            </a:br>
+            <a:br>
+              <a:rPr lang="en-US" dirty="0"/>
+            </a:br>
+            <a:r>
+              <a:rPr lang="en-US" dirty="0"/>
+              <a:t>[INSERT IMAGE HERE]</a:t>
+            </a:r>
+          </a:p>
+        </p:txBody>
+      </p:sp>
+    </p:spTree>
+    <p:extLst>
+      <p:ext uri="{BB962C8B-B14F-4D97-AF65-F5344CB8AC3E}">
+        <p14:creationId xmlns:p14="http://schemas.microsoft.com/office/powerpoint/2010/main" val="2634272015"/>
+      </p:ext>
+    </p:extLst>
+  </p:cSld>
+  <p:clrMapOvr>
+    <a:masterClrMapping/>
+  </p:clrMapOvr>
+  <p:timing>
+    <p:tnLst>
+      <p:par>
+        <p:cTn id="1" dur="indefinite" restart="never" nodeType="tmRoot">
+          <p:childTnLst>
+            <p:seq concurrent="1" nextAc="seek">
+              <p:cTn id="2" dur="indefinite" nodeType="mainSeq">
+                <p:childTnLst>
+                  <p:par>
+                    <p:cTn id="3" fill="hold">
+                      <p:stCondLst>
+                        <p:cond delay="indefinite"/>
+                      </p:stCondLst>
+                      <p:childTnLst>
+                        <p:par>
+                          <p:cTn id="4" fill="hold">
+                            <p:stCondLst>
+                              <p:cond delay="0"/>
+                            </p:stCondLst>
+                            <p:childTnLst>
+                              <p:par>
+                                <p:cTn id="5" presetID="1" presetClass="entr" presetSubtype="0" fill="hold" grpId="0" nodeType="clickEffect">
+                                  <p:stCondLst>
+                                    <p:cond delay="0"/>
+                                  </p:stCondLst>
+                                  <p:childTnLst>
+                                    <p:set>
+                                      <p:cBhvr>
+                                        <p:cTn id="6" dur="1" fill="hold">
+                                          <p:stCondLst>
+                                            <p:cond delay="0"/>
+                                          </p:stCondLst>
+                                        </p:cTn>
+                                        <p:tgtEl>
+                                          <p:spTgt spid="3">
+                                            <p:txEl>
+                                              <p:pRg st="0" end="0"/>
+                                            </p:txEl>
+                                          </p:spTgt>
+                                        </p:tgtEl>
+                                        <p:attrNameLst>
+                                          <p:attrName>style.visibility</p:attrName>
+                                        </p:attrNameLst>
+                                      </p:cBhvr>
+                                      <p:to>
+                                        <p:strVal val="visible"/>
+                                      </p:to>
+                                    </p:set>
+                                  </p:childTnLst>
+                                </p:cTn>
+                              </p:par>
+                            </p:childTnLst>
+                          </p:cTn>
+                        </p:par>
+                      </p:childTnLst>
+                    </p:cTn>
+                  </p:par>
+                  <p:par>
+                    <p:cTn id="7" fill="hold">
+                      <p:stCondLst>
+                        <p:cond delay="indefinite"/>
+                      </p:stCondLst>
+                      <p:childTnLst>
+                        <p:par>
+                          <p:cTn id="8" fill="hold">
+                            <p:stCondLst>
+                              <p:cond delay="0"/>
+                            </p:stCondLst>
+                            <p:childTnLst>
+                              <p:par>
+                                <p:cTn id="9" presetID="1" presetClass="entr" presetSubtype="0" fill="hold" grpId="0" nodeType="clickEffect">
+                                  <p:stCondLst>
+                                    <p:cond delay="0"/>
+                                  </p:stCondLst>
+                                  <p:childTnLst>
+                                    <p:set>
+                                      <p:cBhvr>
+                                        <p:cTn id="10" dur="1" fill="hold">
+                                          <p:stCondLst>
+                                            <p:cond delay="0"/>
+                                          </p:stCondLst>
+                                        </p:cTn>
+                                        <p:tgtEl>
+                                          <p:spTgt spid="3">
+                                            <p:txEl>
+                                              <p:pRg st="1" end="1"/>
+                                            </p:txEl>
+                                          </p:spTgt>
+                                        </p:tgtEl>
+                                        <p:attrNameLst>
+                                          <p:attrName>style.visibility</p:attrName>
+                                        </p:attrNameLst>
+                                      </p:cBhvr>
+                                      <p:to>
+                                        <p:strVal val="visible"/>
+                                      </p:to>
+                                    </p:set>
+                                  </p:childTnLst>
+                                </p:cTn>
+                              </p:par>
+                            </p:childTnLst>
+                          </p:cTn>
+                        </p:par>
+                      </p:childTnLst>
+                    </p:cTn>
+                  </p:par>
+                </p:childTnLst>
+              </p:cTn>
+              <p:prevCondLst>
+                <p:cond evt="onPrev" delay="0">
+                  <p:tgtEl>
+                    <p:sldTgt/>
+                  </p:tgtEl>
+                </p:cond>
+              </p:prevCondLst>
+              <p:nextCondLst>
+                <p:cond evt="onNext" delay="0">
+                  <p:tgtEl>
+                    <p:sldTgt/>
+                  </p:tgtEl>
+                </p:cond>
+              </p:nextCondLst>
+            </p:seq>
+          </p:childTnLst>
+        </p:cTn>
+      </p:par>
+    </p:tnLst>
+    <p:bldLst>
+      <p:bldP spid="3" grpId="0" build="p"/>
+    </p:bldLst>
+  </p:timing>
+</p:sld>
+</file>
+
 <file path=ppt/slides/slide2.xml><?xml version="1.0" encoding="utf-8"?>
 <p:sld xmlns:a="http://schemas.openxmlformats.org/drawingml/2006/main" xmlns:r="http://schemas.openxmlformats.org/officeDocument/2006/relationships" xmlns:p="http://schemas.openxmlformats.org/presentationml/2006/main">
   <p:cSld>
@@ -6229,6 +7023,153 @@
                                     <p:set>
                                       <p:cBhvr>
                                         <p:cTn id="14" dur="1" fill="hold">
+                                          <p:stCondLst>
+                                            <p:cond delay="0"/>
+                                          </p:stCondLst>
+                                        </p:cTn>
+                                        <p:tgtEl>
+                                          <p:spTgt spid="4">
+                                            <p:txEl>
+                                              <p:pRg st="8" end="8"/>
+                                            </p:txEl>
+                                          </p:spTgt>
+                                        </p:tgtEl>
+                                        <p:attrNameLst>
+                                          <p:attrName>style.visibility</p:attrName>
+                                        </p:attrNameLst>
+                                      </p:cBhvr>
+                                      <p:to>
+                                        <p:strVal val="visible"/>
+                                      </p:to>
+                                    </p:set>
+                                  </p:childTnLst>
+                                </p:cTn>
+                              </p:par>
+                            </p:childTnLst>
+                          </p:cTn>
+                        </p:par>
+                      </p:childTnLst>
+                    </p:cTn>
+                  </p:par>
+                  <p:par>
+                    <p:cTn id="15" fill="hold">
+                      <p:stCondLst>
+                        <p:cond delay="indefinite"/>
+                      </p:stCondLst>
+                      <p:childTnLst>
+                        <p:par>
+                          <p:cTn id="16" fill="hold">
+                            <p:stCondLst>
+                              <p:cond delay="0"/>
+                            </p:stCondLst>
+                            <p:childTnLst>
+                              <p:par>
+                                <p:cTn id="17" presetID="1" presetClass="entr" presetSubtype="0" fill="hold" nodeType="clickEffect">
+                                  <p:stCondLst>
+                                    <p:cond delay="0"/>
+                                  </p:stCondLst>
+                                  <p:childTnLst>
+                                    <p:set>
+                                      <p:cBhvr>
+                                        <p:cTn id="18" dur="1" fill="hold">
+                                          <p:stCondLst>
+                                            <p:cond delay="0"/>
+                                          </p:stCondLst>
+                                        </p:cTn>
+                                        <p:tgtEl>
+                                          <p:spTgt spid="4">
+                                            <p:txEl>
+                                              <p:pRg st="2" end="2"/>
+                                            </p:txEl>
+                                          </p:spTgt>
+                                        </p:tgtEl>
+                                        <p:attrNameLst>
+                                          <p:attrName>style.visibility</p:attrName>
+                                        </p:attrNameLst>
+                                      </p:cBhvr>
+                                      <p:to>
+                                        <p:strVal val="visible"/>
+                                      </p:to>
+                                    </p:set>
+                                  </p:childTnLst>
+                                </p:cTn>
+                              </p:par>
+                            </p:childTnLst>
+                          </p:cTn>
+                        </p:par>
+                      </p:childTnLst>
+                    </p:cTn>
+                  </p:par>
+                  <p:par>
+                    <p:cTn id="19" fill="hold">
+                      <p:stCondLst>
+                        <p:cond delay="indefinite"/>
+                      </p:stCondLst>
+                      <p:childTnLst>
+                        <p:par>
+                          <p:cTn id="20" fill="hold">
+                            <p:stCondLst>
+                              <p:cond delay="0"/>
+                            </p:stCondLst>
+                            <p:childTnLst>
+                              <p:par>
+                                <p:cTn id="21" presetID="1" presetClass="entr" presetSubtype="0" fill="hold" nodeType="clickEffect">
+                                  <p:stCondLst>
+                                    <p:cond delay="0"/>
+                                  </p:stCondLst>
+                                  <p:childTnLst>
+                                    <p:set>
+                                      <p:cBhvr>
+                                        <p:cTn id="22" dur="1" fill="hold">
+                                          <p:stCondLst>
+                                            <p:cond delay="0"/>
+                                          </p:stCondLst>
+                                        </p:cTn>
+                                        <p:tgtEl>
+                                          <p:spTgt spid="4">
+                                            <p:txEl>
+                                              <p:pRg st="5" end="5"/>
+                                            </p:txEl>
+                                          </p:spTgt>
+                                        </p:tgtEl>
+                                        <p:attrNameLst>
+                                          <p:attrName>style.visibility</p:attrName>
+                                        </p:attrNameLst>
+                                      </p:cBhvr>
+                                      <p:to>
+                                        <p:strVal val="visible"/>
+                                      </p:to>
+                                    </p:set>
+                                  </p:childTnLst>
+                                </p:cTn>
+                              </p:par>
+                            </p:childTnLst>
+                          </p:cTn>
+                        </p:par>
+                      </p:childTnLst>
+                    </p:cTn>
+                  </p:par>
+                  <p:par>
+                    <p:cTn id="23" fill="hold">
+                      <p:stCondLst>
+                        <p:cond delay="indefinite"/>
+                      </p:stCondLst>
+                      <p:childTnLst>
+                        <p:par>
+                          <p:cTn id="24" fill="hold">
+                            <p:stCondLst>
+                              <p:cond delay="0"/>
+                            </p:stCondLst>
+                            <p:childTnLst>
+                              <p:par>
+                                <p:cTn id="25" presetID="1" presetClass="entr" presetSubtype="0" fill="hold" nodeType="clickEffect">
+                                  <p:stCondLst>
+                                    <p:cond delay="0"/>
+                                  </p:stCondLst>
+                                  <p:childTnLst>
+                                    <p:set>
+                                      <p:cBhvr>
+                                        <p:cTn id="26" dur="1" fill="hold">
                                           <p:stCondLst>
                                             <p:cond delay="0"/>
                                           </p:stCondLst>
